--- a/Presentation/4. GO analysis.pptx
+++ b/Presentation/4. GO analysis.pptx
@@ -229,7 +229,7 @@
           <a:p>
             <a:fld id="{53A3FA52-17C9-425B-9126-E852CD83A0AE}" type="datetimeFigureOut">
               <a:rPr lang="ko-KR" altLang="en-US" smtClean="0"/>
-              <a:t>2022-04-12</a:t>
+              <a:t>2022. 4. 13.</a:t>
             </a:fld>
             <a:endParaRPr lang="ko-KR" altLang="en-US"/>
           </a:p>
@@ -293,38 +293,37 @@
           <a:p>
             <a:pPr lvl="0"/>
             <a:r>
-              <a:rPr lang="ko-KR" altLang="en-US" smtClean="0"/>
+              <a:rPr lang="ko-KR" altLang="en-US"/>
               <a:t>마스터 텍스트 스타일을 편집합니다</a:t>
             </a:r>
           </a:p>
           <a:p>
             <a:pPr lvl="1"/>
             <a:r>
-              <a:rPr lang="ko-KR" altLang="en-US" smtClean="0"/>
+              <a:rPr lang="ko-KR" altLang="en-US"/>
               <a:t>둘째 수준</a:t>
             </a:r>
           </a:p>
           <a:p>
             <a:pPr lvl="2"/>
             <a:r>
-              <a:rPr lang="ko-KR" altLang="en-US" smtClean="0"/>
+              <a:rPr lang="ko-KR" altLang="en-US"/>
               <a:t>셋째 수준</a:t>
             </a:r>
           </a:p>
           <a:p>
             <a:pPr lvl="3"/>
             <a:r>
-              <a:rPr lang="ko-KR" altLang="en-US" smtClean="0"/>
+              <a:rPr lang="ko-KR" altLang="en-US"/>
               <a:t>넷째 수준</a:t>
             </a:r>
           </a:p>
           <a:p>
             <a:pPr lvl="4"/>
             <a:r>
-              <a:rPr lang="ko-KR" altLang="en-US" smtClean="0"/>
+              <a:rPr lang="ko-KR" altLang="en-US"/>
               <a:t>다섯째 수준</a:t>
             </a:r>
-            <a:endParaRPr lang="ko-KR" altLang="en-US"/>
           </a:p>
         </p:txBody>
       </p:sp>
@@ -542,97 +541,97 @@
           <a:lstStyle/>
           <a:p>
             <a:r>
-              <a:rPr lang="ko-KR" altLang="en-US" dirty="0" smtClean="0"/>
+              <a:rPr lang="ko-KR" altLang="en-US" dirty="0"/>
               <a:t>앞서 </a:t>
             </a:r>
             <a:r>
-              <a:rPr lang="en-US" altLang="ko-KR" dirty="0" err="1" smtClean="0"/>
+              <a:rPr lang="en-US" altLang="ko-KR" dirty="0" err="1"/>
               <a:t>Deg</a:t>
             </a:r>
             <a:r>
-              <a:rPr lang="en-US" altLang="ko-KR" dirty="0" smtClean="0"/>
+              <a:rPr lang="en-US" altLang="ko-KR" dirty="0"/>
               <a:t> </a:t>
             </a:r>
             <a:r>
-              <a:rPr lang="ko-KR" altLang="en-US" dirty="0" smtClean="0"/>
+              <a:rPr lang="ko-KR" altLang="en-US" dirty="0"/>
               <a:t>분석을 통해서 </a:t>
             </a:r>
             <a:r>
-              <a:rPr lang="ko-KR" altLang="en-US" dirty="0" err="1" smtClean="0"/>
+              <a:rPr lang="ko-KR" altLang="en-US" dirty="0" err="1"/>
               <a:t>날짜별</a:t>
             </a:r>
             <a:r>
-              <a:rPr lang="ko-KR" altLang="en-US" dirty="0" smtClean="0"/>
+              <a:rPr lang="ko-KR" altLang="en-US" dirty="0"/>
               <a:t> </a:t>
             </a:r>
             <a:r>
-              <a:rPr lang="en-US" altLang="ko-KR" dirty="0" smtClean="0"/>
+              <a:rPr lang="en-US" altLang="ko-KR" dirty="0"/>
               <a:t>cell </a:t>
             </a:r>
             <a:r>
-              <a:rPr lang="ko-KR" altLang="en-US" dirty="0" smtClean="0"/>
+              <a:rPr lang="ko-KR" altLang="en-US" dirty="0"/>
               <a:t>끼리 유의미한 차이가 나는 유전자들을 뽑았습니다</a:t>
             </a:r>
             <a:r>
-              <a:rPr lang="en-US" altLang="ko-KR" dirty="0" smtClean="0"/>
+              <a:rPr lang="en-US" altLang="ko-KR" dirty="0"/>
               <a:t>. </a:t>
             </a:r>
             <a:r>
-              <a:rPr lang="ko-KR" altLang="en-US" dirty="0" smtClean="0"/>
+              <a:rPr lang="ko-KR" altLang="en-US" dirty="0"/>
               <a:t>빨간색이 표시가 된 </a:t>
             </a:r>
             <a:r>
-              <a:rPr lang="en-US" altLang="ko-KR" dirty="0" smtClean="0"/>
+              <a:rPr lang="en-US" altLang="ko-KR" dirty="0"/>
               <a:t>24</a:t>
             </a:r>
             <a:r>
-              <a:rPr lang="ko-KR" altLang="en-US" dirty="0" smtClean="0"/>
+              <a:rPr lang="ko-KR" altLang="en-US" dirty="0"/>
               <a:t>일째 </a:t>
             </a:r>
             <a:r>
-              <a:rPr lang="en-US" altLang="ko-KR" dirty="0" err="1" smtClean="0"/>
+              <a:rPr lang="en-US" altLang="ko-KR" dirty="0" err="1"/>
               <a:t>heatmap</a:t>
             </a:r>
             <a:r>
-              <a:rPr lang="en-US" altLang="ko-KR" baseline="0" dirty="0" smtClean="0"/>
+              <a:rPr lang="en-US" altLang="ko-KR" baseline="0" dirty="0"/>
               <a:t> </a:t>
             </a:r>
             <a:r>
-              <a:rPr lang="ko-KR" altLang="en-US" baseline="0" dirty="0" smtClean="0"/>
+              <a:rPr lang="ko-KR" altLang="en-US" baseline="0" dirty="0"/>
               <a:t>상에서 가장 많은 차이가 나는 것을 볼 수 있습니다</a:t>
             </a:r>
             <a:r>
-              <a:rPr lang="en-US" altLang="ko-KR" baseline="0" dirty="0" smtClean="0"/>
+              <a:rPr lang="en-US" altLang="ko-KR" baseline="0" dirty="0"/>
               <a:t>.</a:t>
             </a:r>
           </a:p>
           <a:p>
             <a:r>
-              <a:rPr lang="ko-KR" altLang="en-US" baseline="0" dirty="0" smtClean="0"/>
+              <a:rPr lang="ko-KR" altLang="en-US" baseline="0" dirty="0"/>
               <a:t>논문에서는 이런 유의미한 유전자들을 가지고 </a:t>
             </a:r>
             <a:r>
-              <a:rPr lang="en-US" altLang="ko-KR" baseline="0" dirty="0" smtClean="0"/>
+              <a:rPr lang="en-US" altLang="ko-KR" baseline="0" dirty="0"/>
               <a:t>gene ontology </a:t>
             </a:r>
             <a:r>
-              <a:rPr lang="ko-KR" altLang="en-US" baseline="0" dirty="0" smtClean="0"/>
+              <a:rPr lang="ko-KR" altLang="en-US" baseline="0" dirty="0"/>
               <a:t>분석을 하여서 오른쪽 그림과 같이 </a:t>
             </a:r>
             <a:r>
-              <a:rPr lang="en-US" altLang="ko-KR" baseline="0" dirty="0" smtClean="0"/>
+              <a:rPr lang="en-US" altLang="ko-KR" baseline="0" dirty="0"/>
               <a:t>CD90 like cell</a:t>
             </a:r>
             <a:r>
-              <a:rPr lang="ko-KR" altLang="en-US" baseline="0" dirty="0" smtClean="0"/>
+              <a:rPr lang="ko-KR" altLang="en-US" baseline="0" dirty="0"/>
               <a:t>이 다른 그룹보다 </a:t>
             </a:r>
             <a:r>
-              <a:rPr lang="en-US" altLang="ko-KR" baseline="0" dirty="0" smtClean="0"/>
+              <a:rPr lang="en-US" altLang="ko-KR" baseline="0" dirty="0"/>
               <a:t>cell cycle regulation</a:t>
             </a:r>
             <a:r>
-              <a:rPr lang="ko-KR" altLang="en-US" baseline="0" dirty="0" smtClean="0"/>
+              <a:rPr lang="ko-KR" altLang="en-US" baseline="0" dirty="0"/>
               <a:t>에 유</a:t>
             </a:r>
             <a:endParaRPr lang="ko-KR" altLang="en-US" dirty="0"/>
@@ -804,31 +803,31 @@
           <a:lstStyle/>
           <a:p>
             <a:r>
-              <a:rPr lang="en-US" altLang="ko-KR" dirty="0" smtClean="0"/>
+              <a:rPr lang="en-US" altLang="ko-KR" dirty="0"/>
               <a:t>Go Term</a:t>
             </a:r>
             <a:r>
-              <a:rPr lang="ko-KR" altLang="en-US" dirty="0" smtClean="0"/>
+              <a:rPr lang="ko-KR" altLang="en-US" dirty="0"/>
               <a:t>에 속하는지에 따른 유의미한 유전자들과 아니라고 판단된 유전자들의 차이를 알아본다</a:t>
             </a:r>
             <a:r>
-              <a:rPr lang="en-US" altLang="ko-KR" dirty="0" smtClean="0"/>
+              <a:rPr lang="en-US" altLang="ko-KR" dirty="0"/>
               <a:t>. </a:t>
             </a:r>
             <a:r>
-              <a:rPr lang="ko-KR" altLang="en-US" dirty="0" smtClean="0"/>
+              <a:rPr lang="ko-KR" altLang="en-US" dirty="0"/>
               <a:t>즉 다시 말하면 정말로 우리가 유의미하다고 판단된 유전자들이 각 </a:t>
             </a:r>
             <a:r>
-              <a:rPr lang="en-US" altLang="ko-KR" dirty="0" smtClean="0"/>
+              <a:rPr lang="en-US" altLang="ko-KR" dirty="0"/>
               <a:t>GO Term</a:t>
             </a:r>
             <a:r>
-              <a:rPr lang="ko-KR" altLang="en-US" smtClean="0"/>
+              <a:rPr lang="ko-KR" altLang="en-US"/>
               <a:t>에 속</a:t>
             </a:r>
             <a:r>
-              <a:rPr lang="ko-KR" altLang="en-US" baseline="0" smtClean="0"/>
+              <a:rPr lang="ko-KR" altLang="en-US" baseline="0"/>
               <a:t> </a:t>
             </a:r>
             <a:endParaRPr lang="ko-KR" altLang="en-US" dirty="0"/>
@@ -1000,7 +999,7 @@
           <a:p>
             <a:fld id="{9D66DCD3-DF09-4BEE-A62D-65AA52B39037}" type="datetimeFigureOut">
               <a:rPr lang="ko-KR" altLang="en-US" smtClean="0"/>
-              <a:t>2022-04-12</a:t>
+              <a:t>2022. 4. 13.</a:t>
             </a:fld>
             <a:endParaRPr lang="ko-KR" altLang="en-US"/>
           </a:p>
@@ -1168,7 +1167,7 @@
           <a:p>
             <a:fld id="{9D66DCD3-DF09-4BEE-A62D-65AA52B39037}" type="datetimeFigureOut">
               <a:rPr lang="ko-KR" altLang="en-US" smtClean="0"/>
-              <a:t>2022-04-12</a:t>
+              <a:t>2022. 4. 13.</a:t>
             </a:fld>
             <a:endParaRPr lang="ko-KR" altLang="en-US"/>
           </a:p>
@@ -1346,7 +1345,7 @@
           <a:p>
             <a:fld id="{9D66DCD3-DF09-4BEE-A62D-65AA52B39037}" type="datetimeFigureOut">
               <a:rPr lang="ko-KR" altLang="en-US" smtClean="0"/>
-              <a:t>2022-04-12</a:t>
+              <a:t>2022. 4. 13.</a:t>
             </a:fld>
             <a:endParaRPr lang="ko-KR" altLang="en-US"/>
           </a:p>
@@ -1514,7 +1513,7 @@
           <a:p>
             <a:fld id="{9D66DCD3-DF09-4BEE-A62D-65AA52B39037}" type="datetimeFigureOut">
               <a:rPr lang="ko-KR" altLang="en-US" smtClean="0"/>
-              <a:t>2022-04-12</a:t>
+              <a:t>2022. 4. 13.</a:t>
             </a:fld>
             <a:endParaRPr lang="ko-KR" altLang="en-US"/>
           </a:p>
@@ -1759,7 +1758,7 @@
           <a:p>
             <a:fld id="{9D66DCD3-DF09-4BEE-A62D-65AA52B39037}" type="datetimeFigureOut">
               <a:rPr lang="ko-KR" altLang="en-US" smtClean="0"/>
-              <a:t>2022-04-12</a:t>
+              <a:t>2022. 4. 13.</a:t>
             </a:fld>
             <a:endParaRPr lang="ko-KR" altLang="en-US"/>
           </a:p>
@@ -1988,7 +1987,7 @@
           <a:p>
             <a:fld id="{9D66DCD3-DF09-4BEE-A62D-65AA52B39037}" type="datetimeFigureOut">
               <a:rPr lang="ko-KR" altLang="en-US" smtClean="0"/>
-              <a:t>2022-04-12</a:t>
+              <a:t>2022. 4. 13.</a:t>
             </a:fld>
             <a:endParaRPr lang="ko-KR" altLang="en-US"/>
           </a:p>
@@ -2352,7 +2351,7 @@
           <a:p>
             <a:fld id="{9D66DCD3-DF09-4BEE-A62D-65AA52B39037}" type="datetimeFigureOut">
               <a:rPr lang="ko-KR" altLang="en-US" smtClean="0"/>
-              <a:t>2022-04-12</a:t>
+              <a:t>2022. 4. 13.</a:t>
             </a:fld>
             <a:endParaRPr lang="ko-KR" altLang="en-US"/>
           </a:p>
@@ -2469,7 +2468,7 @@
           <a:p>
             <a:fld id="{9D66DCD3-DF09-4BEE-A62D-65AA52B39037}" type="datetimeFigureOut">
               <a:rPr lang="ko-KR" altLang="en-US" smtClean="0"/>
-              <a:t>2022-04-12</a:t>
+              <a:t>2022. 4. 13.</a:t>
             </a:fld>
             <a:endParaRPr lang="ko-KR" altLang="en-US"/>
           </a:p>
@@ -2564,7 +2563,7 @@
           <a:p>
             <a:fld id="{9D66DCD3-DF09-4BEE-A62D-65AA52B39037}" type="datetimeFigureOut">
               <a:rPr lang="ko-KR" altLang="en-US" smtClean="0"/>
-              <a:t>2022-04-12</a:t>
+              <a:t>2022. 4. 13.</a:t>
             </a:fld>
             <a:endParaRPr lang="ko-KR" altLang="en-US"/>
           </a:p>
@@ -2839,7 +2838,7 @@
           <a:p>
             <a:fld id="{9D66DCD3-DF09-4BEE-A62D-65AA52B39037}" type="datetimeFigureOut">
               <a:rPr lang="ko-KR" altLang="en-US" smtClean="0"/>
-              <a:t>2022-04-12</a:t>
+              <a:t>2022. 4. 13.</a:t>
             </a:fld>
             <a:endParaRPr lang="ko-KR" altLang="en-US"/>
           </a:p>
@@ -3091,7 +3090,7 @@
           <a:p>
             <a:fld id="{9D66DCD3-DF09-4BEE-A62D-65AA52B39037}" type="datetimeFigureOut">
               <a:rPr lang="ko-KR" altLang="en-US" smtClean="0"/>
-              <a:t>2022-04-12</a:t>
+              <a:t>2022. 4. 13.</a:t>
             </a:fld>
             <a:endParaRPr lang="ko-KR" altLang="en-US"/>
           </a:p>
@@ -3302,7 +3301,7 @@
           <a:p>
             <a:fld id="{9D66DCD3-DF09-4BEE-A62D-65AA52B39037}" type="datetimeFigureOut">
               <a:rPr lang="ko-KR" altLang="en-US" smtClean="0"/>
-              <a:t>2022-04-12</a:t>
+              <a:t>2022. 4. 13.</a:t>
             </a:fld>
             <a:endParaRPr lang="ko-KR" altLang="en-US"/>
           </a:p>
@@ -3751,13 +3750,6 @@
   <p:clrMapOvr>
     <a:masterClrMapping/>
   </p:clrMapOvr>
-  <p:timing>
-    <p:tnLst>
-      <p:par>
-        <p:cTn id="1" dur="indefinite" restart="never" nodeType="tmRoot"/>
-      </p:par>
-    </p:tnLst>
-  </p:timing>
 </p:sld>
 </file>
 
@@ -3805,21 +3797,7 @@
                 <a:latin typeface="Arial" panose="020B0604020202020204" pitchFamily="34" charset="0"/>
                 <a:cs typeface="Arial" panose="020B0604020202020204" pitchFamily="34" charset="0"/>
               </a:rPr>
-              <a:t>4</a:t>
-            </a:r>
-            <a:r>
-              <a:rPr lang="en-US" altLang="ko-KR" b="1" dirty="0" smtClean="0">
-                <a:latin typeface="Arial" panose="020B0604020202020204" pitchFamily="34" charset="0"/>
-                <a:cs typeface="Arial" panose="020B0604020202020204" pitchFamily="34" charset="0"/>
-              </a:rPr>
-              <a:t>. </a:t>
-            </a:r>
-            <a:r>
-              <a:rPr lang="en-US" altLang="ko-KR" b="1" dirty="0">
-                <a:latin typeface="Arial" panose="020B0604020202020204" pitchFamily="34" charset="0"/>
-                <a:cs typeface="Arial" panose="020B0604020202020204" pitchFamily="34" charset="0"/>
-              </a:rPr>
-              <a:t>Gene ontology analysis</a:t>
+              <a:t>4. Gene ontology analysis</a:t>
             </a:r>
             <a:br>
               <a:rPr lang="en-US" altLang="ko-KR" b="1" dirty="0">
@@ -3841,8 +3819,8 @@
           </a:p>
         </p:txBody>
       </p:sp>
-      <mc:AlternateContent xmlns:mc="http://schemas.openxmlformats.org/markup-compatibility/2006">
-        <mc:Choice xmlns:a14="http://schemas.microsoft.com/office/drawing/2010/main" Requires="a14">
+      <mc:AlternateContent xmlns:mc="http://schemas.openxmlformats.org/markup-compatibility/2006" xmlns:a14="http://schemas.microsoft.com/office/drawing/2010/main">
+        <mc:Choice Requires="a14">
           <p:sp>
             <p:nvSpPr>
               <p:cNvPr id="3" name="TextBox 2"/>
@@ -4021,7 +3999,7 @@
             </p:txBody>
           </p:sp>
         </mc:Choice>
-        <mc:Fallback>
+        <mc:Fallback xmlns="">
           <p:sp>
             <p:nvSpPr>
               <p:cNvPr id="3" name="TextBox 2"/>
@@ -4125,106 +4103,74 @@
           <a:lstStyle/>
           <a:p>
             <a:r>
-              <a:rPr lang="en-US" altLang="ko-KR" dirty="0" smtClean="0">
+              <a:rPr lang="en-US" altLang="ko-KR" dirty="0">
                 <a:latin typeface="Arial" panose="020B0604020202020204" pitchFamily="34" charset="0"/>
                 <a:cs typeface="Arial" panose="020B0604020202020204" pitchFamily="34" charset="0"/>
               </a:rPr>
               <a:t>P-value </a:t>
             </a:r>
             <a:r>
-              <a:rPr lang="ko-KR" altLang="en-US" dirty="0" smtClean="0">
+              <a:rPr lang="ko-KR" altLang="en-US" dirty="0">
                 <a:latin typeface="Arial" panose="020B0604020202020204" pitchFamily="34" charset="0"/>
                 <a:cs typeface="Arial" panose="020B0604020202020204" pitchFamily="34" charset="0"/>
               </a:rPr>
               <a:t>값이 </a:t>
             </a:r>
             <a:r>
-              <a:rPr lang="en-US" altLang="ko-KR" dirty="0" smtClean="0">
+              <a:rPr lang="en-US" altLang="ko-KR" dirty="0">
                 <a:latin typeface="Arial" panose="020B0604020202020204" pitchFamily="34" charset="0"/>
                 <a:cs typeface="Arial" panose="020B0604020202020204" pitchFamily="34" charset="0"/>
               </a:rPr>
               <a:t>0.05 </a:t>
             </a:r>
             <a:r>
-              <a:rPr lang="ko-KR" altLang="en-US" dirty="0" smtClean="0">
-                <a:latin typeface="Arial" panose="020B0604020202020204" pitchFamily="34" charset="0"/>
-                <a:cs typeface="Arial" panose="020B0604020202020204" pitchFamily="34" charset="0"/>
-              </a:rPr>
-              <a:t>이하기 때문에 </a:t>
-            </a:r>
-            <a:r>
-              <a:rPr lang="ko-KR" altLang="en-US" dirty="0" smtClean="0">
-                <a:latin typeface="Arial" panose="020B0604020202020204" pitchFamily="34" charset="0"/>
-                <a:cs typeface="Arial" panose="020B0604020202020204" pitchFamily="34" charset="0"/>
-              </a:rPr>
-              <a:t>유의미한 유전자들과 </a:t>
-            </a:r>
-            <a:endParaRPr lang="en-US" altLang="ko-KR" dirty="0" smtClean="0">
+              <a:rPr lang="ko-KR" altLang="en-US" dirty="0">
+                <a:latin typeface="Arial" panose="020B0604020202020204" pitchFamily="34" charset="0"/>
+                <a:cs typeface="Arial" panose="020B0604020202020204" pitchFamily="34" charset="0"/>
+              </a:rPr>
+              <a:t>이하기 때문에 유의미한 유전자들과 </a:t>
+            </a:r>
+            <a:endParaRPr lang="en-US" altLang="ko-KR" dirty="0">
               <a:latin typeface="Arial" panose="020B0604020202020204" pitchFamily="34" charset="0"/>
               <a:cs typeface="Arial" panose="020B0604020202020204" pitchFamily="34" charset="0"/>
             </a:endParaRPr>
           </a:p>
           <a:p>
             <a:r>
-              <a:rPr lang="ko-KR" altLang="en-US" dirty="0" smtClean="0">
-                <a:latin typeface="Arial" panose="020B0604020202020204" pitchFamily="34" charset="0"/>
-                <a:cs typeface="Arial" panose="020B0604020202020204" pitchFamily="34" charset="0"/>
-              </a:rPr>
-              <a:t>해당</a:t>
-            </a:r>
-            <a:r>
-              <a:rPr lang="ko-KR" altLang="en-US" dirty="0" smtClean="0">
+              <a:rPr lang="ko-KR" altLang="en-US" dirty="0">
+                <a:latin typeface="Arial" panose="020B0604020202020204" pitchFamily="34" charset="0"/>
+                <a:cs typeface="Arial" panose="020B0604020202020204" pitchFamily="34" charset="0"/>
+              </a:rPr>
+              <a:t>해당 </a:t>
+            </a:r>
+            <a:r>
+              <a:rPr lang="en-US" altLang="ko-KR" dirty="0">
+                <a:latin typeface="Arial" panose="020B0604020202020204" pitchFamily="34" charset="0"/>
+                <a:cs typeface="Arial" panose="020B0604020202020204" pitchFamily="34" charset="0"/>
+              </a:rPr>
+              <a:t>GO Term</a:t>
+            </a:r>
+            <a:r>
+              <a:rPr lang="ko-KR" altLang="en-US" dirty="0">
+                <a:latin typeface="Arial" panose="020B0604020202020204" pitchFamily="34" charset="0"/>
+                <a:cs typeface="Arial" panose="020B0604020202020204" pitchFamily="34" charset="0"/>
+              </a:rPr>
+              <a:t>은 연관성이 높다고 판단합니다</a:t>
+            </a:r>
+            <a:r>
+              <a:rPr lang="en-US" altLang="ko-KR" dirty="0">
+                <a:latin typeface="Arial" panose="020B0604020202020204" pitchFamily="34" charset="0"/>
+                <a:cs typeface="Arial" panose="020B0604020202020204" pitchFamily="34" charset="0"/>
+              </a:rPr>
+              <a:t>.</a:t>
+            </a:r>
+            <a:r>
+              <a:rPr lang="ko-KR" altLang="en-US" dirty="0">
                 <a:latin typeface="Arial" panose="020B0604020202020204" pitchFamily="34" charset="0"/>
                 <a:cs typeface="Arial" panose="020B0604020202020204" pitchFamily="34" charset="0"/>
               </a:rPr>
               <a:t> </a:t>
             </a:r>
-            <a:r>
-              <a:rPr lang="en-US" altLang="ko-KR" dirty="0" smtClean="0">
-                <a:latin typeface="Arial" panose="020B0604020202020204" pitchFamily="34" charset="0"/>
-                <a:cs typeface="Arial" panose="020B0604020202020204" pitchFamily="34" charset="0"/>
-              </a:rPr>
-              <a:t>GO Term</a:t>
-            </a:r>
-            <a:r>
-              <a:rPr lang="ko-KR" altLang="en-US" dirty="0" smtClean="0">
-                <a:latin typeface="Arial" panose="020B0604020202020204" pitchFamily="34" charset="0"/>
-                <a:cs typeface="Arial" panose="020B0604020202020204" pitchFamily="34" charset="0"/>
-              </a:rPr>
-              <a:t>은</a:t>
-            </a:r>
-            <a:r>
-              <a:rPr lang="ko-KR" altLang="en-US" dirty="0" smtClean="0">
-                <a:latin typeface="Arial" panose="020B0604020202020204" pitchFamily="34" charset="0"/>
-                <a:cs typeface="Arial" panose="020B0604020202020204" pitchFamily="34" charset="0"/>
-              </a:rPr>
-              <a:t> </a:t>
-            </a:r>
-            <a:r>
-              <a:rPr lang="ko-KR" altLang="en-US" dirty="0" smtClean="0">
-                <a:latin typeface="Arial" panose="020B0604020202020204" pitchFamily="34" charset="0"/>
-                <a:cs typeface="Arial" panose="020B0604020202020204" pitchFamily="34" charset="0"/>
-              </a:rPr>
-              <a:t>연관성이 높다고 판단합니다</a:t>
-            </a:r>
-            <a:r>
-              <a:rPr lang="en-US" altLang="ko-KR" dirty="0" smtClean="0">
-                <a:latin typeface="Arial" panose="020B0604020202020204" pitchFamily="34" charset="0"/>
-                <a:cs typeface="Arial" panose="020B0604020202020204" pitchFamily="34" charset="0"/>
-              </a:rPr>
-              <a:t>.</a:t>
-            </a:r>
-            <a:r>
-              <a:rPr lang="ko-KR" altLang="en-US" dirty="0" smtClean="0">
-                <a:latin typeface="Arial" panose="020B0604020202020204" pitchFamily="34" charset="0"/>
-                <a:cs typeface="Arial" panose="020B0604020202020204" pitchFamily="34" charset="0"/>
-              </a:rPr>
-              <a:t> </a:t>
-            </a:r>
-            <a:endParaRPr lang="ko-KR" altLang="en-US" dirty="0">
-              <a:latin typeface="Arial" panose="020B0604020202020204" pitchFamily="34" charset="0"/>
-              <a:cs typeface="Arial" panose="020B0604020202020204" pitchFamily="34" charset="0"/>
-            </a:endParaRPr>
           </a:p>
         </p:txBody>
       </p:sp>
@@ -4251,14 +4197,13 @@
           <a:lstStyle/>
           <a:p>
             <a:r>
-              <a:rPr lang="en-US" altLang="ko-KR" dirty="0" smtClean="0"/>
+              <a:rPr lang="en-US" altLang="ko-KR" dirty="0"/>
               <a:t>GO term </a:t>
             </a:r>
             <a:r>
-              <a:rPr lang="ko-KR" altLang="en-US" dirty="0" smtClean="0"/>
-              <a:t>속한 유전자 들 중에 유의미한 유전자가 뽑힐 확률</a:t>
-            </a:r>
-            <a:endParaRPr lang="ko-KR" altLang="en-US" dirty="0"/>
+              <a:rPr lang="ko-KR" altLang="en-US" dirty="0"/>
+              <a:t>속한 유전자 들 중에 유의미한 유전자가 뽑힐 경우의 수</a:t>
+            </a:r>
           </a:p>
         </p:txBody>
       </p:sp>
@@ -4359,10 +4304,9 @@
           <a:lstStyle/>
           <a:p>
             <a:r>
-              <a:rPr lang="ko-KR" altLang="en-US" dirty="0" smtClean="0"/>
-              <a:t>총 유전자 중에서 유의미한 유전자가 뽑힐 확률</a:t>
-            </a:r>
-            <a:endParaRPr lang="ko-KR" altLang="en-US" dirty="0"/>
+              <a:rPr lang="ko-KR" altLang="en-US" dirty="0"/>
+              <a:t>총 유전자 중에서 유의미한 유전자가 뽑힐 경우의 수</a:t>
+            </a:r>
           </a:p>
         </p:txBody>
       </p:sp>
@@ -4389,14 +4333,13 @@
           <a:lstStyle/>
           <a:p>
             <a:r>
-              <a:rPr lang="en-US" altLang="ko-KR" dirty="0" smtClean="0"/>
+              <a:rPr lang="en-US" altLang="ko-KR" dirty="0"/>
               <a:t>GO term </a:t>
             </a:r>
             <a:r>
-              <a:rPr lang="ko-KR" altLang="en-US" dirty="0" smtClean="0"/>
-              <a:t>속하지 않는 들 중에 유의미한 유전자가 뽑힐 확률</a:t>
-            </a:r>
-            <a:endParaRPr lang="ko-KR" altLang="en-US" dirty="0"/>
+              <a:rPr lang="ko-KR" altLang="en-US" dirty="0"/>
+              <a:t>속하지 않는 들 중에 유의미한 유전자가 뽑힐 경우의 수</a:t>
+            </a:r>
           </a:p>
         </p:txBody>
       </p:sp>
@@ -4447,13 +4390,6 @@
   <p:clrMapOvr>
     <a:masterClrMapping/>
   </p:clrMapOvr>
-  <p:timing>
-    <p:tnLst>
-      <p:par>
-        <p:cTn id="1" dur="indefinite" restart="never" nodeType="tmRoot"/>
-      </p:par>
-    </p:tnLst>
-  </p:timing>
 </p:sld>
 </file>
 
@@ -4501,21 +4437,7 @@
                 <a:latin typeface="Arial" panose="020B0604020202020204" pitchFamily="34" charset="0"/>
                 <a:cs typeface="Arial" panose="020B0604020202020204" pitchFamily="34" charset="0"/>
               </a:rPr>
-              <a:t>4</a:t>
-            </a:r>
-            <a:r>
-              <a:rPr lang="en-US" altLang="ko-KR" b="1" dirty="0" smtClean="0">
-                <a:latin typeface="Arial" panose="020B0604020202020204" pitchFamily="34" charset="0"/>
-                <a:cs typeface="Arial" panose="020B0604020202020204" pitchFamily="34" charset="0"/>
-              </a:rPr>
-              <a:t>. </a:t>
-            </a:r>
-            <a:r>
-              <a:rPr lang="en-US" altLang="ko-KR" b="1" dirty="0">
-                <a:latin typeface="Arial" panose="020B0604020202020204" pitchFamily="34" charset="0"/>
-                <a:cs typeface="Arial" panose="020B0604020202020204" pitchFamily="34" charset="0"/>
-              </a:rPr>
-              <a:t>Gene ontology analysis</a:t>
+              <a:t>4. Gene ontology analysis</a:t>
             </a:r>
             <a:br>
               <a:rPr lang="en-US" altLang="ko-KR" b="1" dirty="0">
@@ -4524,7 +4446,7 @@
               </a:rPr>
             </a:br>
             <a:r>
-              <a:rPr lang="en-US" altLang="ko-KR" sz="2800" b="1" dirty="0" smtClean="0">
+              <a:rPr lang="en-US" altLang="ko-KR" sz="2800" b="1" dirty="0">
                 <a:latin typeface="Arial" panose="020B0604020202020204" pitchFamily="34" charset="0"/>
                 <a:cs typeface="Arial" panose="020B0604020202020204" pitchFamily="34" charset="0"/>
               </a:rPr>
@@ -4566,21 +4488,21 @@
                 <a:gridCol w="2680730">
                   <a:extLst>
                     <a:ext uri="{9D8B030D-6E8A-4147-A177-3AD203B41FA5}">
-                      <a16:colId xmlns:a16="http://schemas.microsoft.com/office/drawing/2014/main" xmlns="" val="20000"/>
+                      <a16:colId xmlns:a16="http://schemas.microsoft.com/office/drawing/2014/main" val="20000"/>
                     </a:ext>
                   </a:extLst>
                 </a:gridCol>
                 <a:gridCol w="2680730">
                   <a:extLst>
                     <a:ext uri="{9D8B030D-6E8A-4147-A177-3AD203B41FA5}">
-                      <a16:colId xmlns:a16="http://schemas.microsoft.com/office/drawing/2014/main" xmlns="" val="20001"/>
+                      <a16:colId xmlns:a16="http://schemas.microsoft.com/office/drawing/2014/main" val="20001"/>
                     </a:ext>
                   </a:extLst>
                 </a:gridCol>
                 <a:gridCol w="2680730">
                   <a:extLst>
                     <a:ext uri="{9D8B030D-6E8A-4147-A177-3AD203B41FA5}">
-                      <a16:colId xmlns:a16="http://schemas.microsoft.com/office/drawing/2014/main" xmlns="" val="20002"/>
+                      <a16:colId xmlns:a16="http://schemas.microsoft.com/office/drawing/2014/main" val="20002"/>
                     </a:ext>
                   </a:extLst>
                 </a:gridCol>
@@ -4593,7 +4515,7 @@
                     <a:p>
                       <a:pPr latinLnBrk="1"/>
                       <a:r>
-                        <a:rPr lang="en-US" altLang="ko-KR" sz="2800" b="1" dirty="0" smtClean="0">
+                        <a:rPr lang="en-US" altLang="ko-KR" sz="2800" b="1" dirty="0">
                           <a:latin typeface="Arial" panose="020B0604020202020204" pitchFamily="34" charset="0"/>
                           <a:cs typeface="Arial" panose="020B0604020202020204" pitchFamily="34" charset="0"/>
                         </a:rPr>
@@ -4618,14 +4540,14 @@
                     <a:p>
                       <a:pPr latinLnBrk="1"/>
                       <a:r>
-                        <a:rPr lang="en-US" altLang="ko-KR" sz="2800" dirty="0" smtClean="0">
+                        <a:rPr lang="en-US" altLang="ko-KR" sz="2800" dirty="0">
                           <a:latin typeface="Arial" panose="020B0604020202020204" pitchFamily="34" charset="0"/>
                           <a:cs typeface="Arial" panose="020B0604020202020204" pitchFamily="34" charset="0"/>
                         </a:rPr>
                         <a:t>37</a:t>
                       </a:r>
                       <a:r>
-                        <a:rPr lang="en-US" altLang="ko-KR" sz="2800" dirty="0" smtClean="0">
+                        <a:rPr lang="en-US" altLang="ko-KR" sz="2800" dirty="0">
                           <a:solidFill>
                             <a:srgbClr val="FF0000"/>
                           </a:solidFill>
@@ -4635,7 +4557,7 @@
                         <a:t>+1</a:t>
                       </a:r>
                       <a:r>
-                        <a:rPr lang="en-US" altLang="ko-KR" sz="2800" dirty="0" smtClean="0">
+                        <a:rPr lang="en-US" altLang="ko-KR" sz="2800" dirty="0">
                           <a:latin typeface="Arial" panose="020B0604020202020204" pitchFamily="34" charset="0"/>
                           <a:cs typeface="Arial" panose="020B0604020202020204" pitchFamily="34" charset="0"/>
                         </a:rPr>
@@ -4678,7 +4600,7 @@
                 </a:tc>
                 <a:extLst>
                   <a:ext uri="{0D108BD9-81ED-4DB2-BD59-A6C34878D82A}">
-                    <a16:rowId xmlns:a16="http://schemas.microsoft.com/office/drawing/2014/main" xmlns="" val="10000"/>
+                    <a16:rowId xmlns:a16="http://schemas.microsoft.com/office/drawing/2014/main" val="10000"/>
                   </a:ext>
                 </a:extLst>
               </a:tr>
@@ -4760,7 +4682,7 @@
                 </a:tc>
                 <a:extLst>
                   <a:ext uri="{0D108BD9-81ED-4DB2-BD59-A6C34878D82A}">
-                    <a16:rowId xmlns:a16="http://schemas.microsoft.com/office/drawing/2014/main" xmlns="" val="10001"/>
+                    <a16:rowId xmlns:a16="http://schemas.microsoft.com/office/drawing/2014/main" val="10001"/>
                   </a:ext>
                 </a:extLst>
               </a:tr>
@@ -4772,14 +4694,14 @@
                     <a:p>
                       <a:pPr latinLnBrk="1"/>
                       <a:r>
-                        <a:rPr lang="en-US" altLang="ko-KR" sz="2800" dirty="0" smtClean="0">
+                        <a:rPr lang="en-US" altLang="ko-KR" sz="2800" dirty="0">
                           <a:latin typeface="Arial" panose="020B0604020202020204" pitchFamily="34" charset="0"/>
                           <a:cs typeface="Arial" panose="020B0604020202020204" pitchFamily="34" charset="0"/>
                         </a:rPr>
                         <a:t>300 </a:t>
                       </a:r>
                       <a:r>
-                        <a:rPr lang="en-US" altLang="ko-KR" sz="2800" dirty="0" smtClean="0">
+                        <a:rPr lang="en-US" altLang="ko-KR" sz="2800" dirty="0">
                           <a:solidFill>
                             <a:srgbClr val="FF0000"/>
                           </a:solidFill>
@@ -4806,14 +4728,14 @@
                     <a:p>
                       <a:pPr latinLnBrk="1"/>
                       <a:r>
-                        <a:rPr lang="en-US" altLang="ko-KR" sz="2800" dirty="0" smtClean="0">
+                        <a:rPr lang="en-US" altLang="ko-KR" sz="2800" dirty="0">
                           <a:latin typeface="Arial" panose="020B0604020202020204" pitchFamily="34" charset="0"/>
                           <a:cs typeface="Arial" panose="020B0604020202020204" pitchFamily="34" charset="0"/>
                         </a:rPr>
                         <a:t>29,700 </a:t>
                       </a:r>
                       <a:r>
-                        <a:rPr lang="en-US" altLang="ko-KR" sz="2800" dirty="0" smtClean="0">
+                        <a:rPr lang="en-US" altLang="ko-KR" sz="2800" dirty="0">
                           <a:solidFill>
                             <a:srgbClr val="FF0000"/>
                           </a:solidFill>
@@ -4856,7 +4778,7 @@
                 </a:tc>
                 <a:extLst>
                   <a:ext uri="{0D108BD9-81ED-4DB2-BD59-A6C34878D82A}">
-                    <a16:rowId xmlns:a16="http://schemas.microsoft.com/office/drawing/2014/main" xmlns="" val="10002"/>
+                    <a16:rowId xmlns:a16="http://schemas.microsoft.com/office/drawing/2014/main" val="10002"/>
                   </a:ext>
                 </a:extLst>
               </a:tr>
@@ -5052,17 +4974,7 @@
                 <a:latin typeface="Arial" panose="020B0604020202020204" pitchFamily="34" charset="0"/>
                 <a:cs typeface="Arial" panose="020B0604020202020204" pitchFamily="34" charset="0"/>
               </a:rPr>
-              <a:t>P-value = </a:t>
-            </a:r>
-            <a:r>
-              <a:rPr lang="en-US" altLang="ko-KR" b="1" dirty="0" smtClean="0">
-                <a:solidFill>
-                  <a:srgbClr val="FF0000"/>
-                </a:solidFill>
-                <a:latin typeface="Arial" panose="020B0604020202020204" pitchFamily="34" charset="0"/>
-                <a:cs typeface="Arial" panose="020B0604020202020204" pitchFamily="34" charset="0"/>
-              </a:rPr>
-              <a:t>0.06 ( &gt;0.05 )</a:t>
+              <a:t>P-value = 0.06 ( &gt;0.05 )</a:t>
             </a:r>
             <a:endParaRPr lang="ko-KR" altLang="en-US" b="1" dirty="0">
               <a:solidFill>
@@ -5097,51 +5009,47 @@
           <a:lstStyle/>
           <a:p>
             <a:r>
-              <a:rPr lang="en-US" altLang="ko-KR" dirty="0" smtClean="0">
+              <a:rPr lang="en-US" altLang="ko-KR" dirty="0">
                 <a:latin typeface="Arial" panose="020B0604020202020204" pitchFamily="34" charset="0"/>
                 <a:cs typeface="Arial" panose="020B0604020202020204" pitchFamily="34" charset="0"/>
               </a:rPr>
               <a:t>Gene set</a:t>
             </a:r>
             <a:r>
-              <a:rPr lang="ko-KR" altLang="en-US" dirty="0" smtClean="0">
+              <a:rPr lang="ko-KR" altLang="en-US" dirty="0">
                 <a:latin typeface="Arial" panose="020B0604020202020204" pitchFamily="34" charset="0"/>
                 <a:cs typeface="Arial" panose="020B0604020202020204" pitchFamily="34" charset="0"/>
               </a:rPr>
               <a:t>과 연관된 유전자 개수를 </a:t>
             </a:r>
             <a:r>
-              <a:rPr lang="en-US" altLang="ko-KR" dirty="0" smtClean="0">
+              <a:rPr lang="en-US" altLang="ko-KR" dirty="0">
                 <a:latin typeface="Arial" panose="020B0604020202020204" pitchFamily="34" charset="0"/>
                 <a:cs typeface="Arial" panose="020B0604020202020204" pitchFamily="34" charset="0"/>
               </a:rPr>
               <a:t>1</a:t>
             </a:r>
             <a:r>
-              <a:rPr lang="ko-KR" altLang="en-US" dirty="0" smtClean="0">
+              <a:rPr lang="ko-KR" altLang="en-US" dirty="0">
                 <a:latin typeface="Arial" panose="020B0604020202020204" pitchFamily="34" charset="0"/>
                 <a:cs typeface="Arial" panose="020B0604020202020204" pitchFamily="34" charset="0"/>
               </a:rPr>
               <a:t>개를 제거해서 </a:t>
             </a:r>
             <a:r>
-              <a:rPr lang="en-US" altLang="ko-KR" dirty="0" smtClean="0">
+              <a:rPr lang="en-US" altLang="ko-KR" dirty="0">
                 <a:latin typeface="Arial" panose="020B0604020202020204" pitchFamily="34" charset="0"/>
                 <a:cs typeface="Arial" panose="020B0604020202020204" pitchFamily="34" charset="0"/>
               </a:rPr>
               <a:t>p-value</a:t>
             </a:r>
             <a:r>
-              <a:rPr lang="ko-KR" altLang="en-US" dirty="0" smtClean="0">
+              <a:rPr lang="ko-KR" altLang="en-US" dirty="0">
                 <a:latin typeface="Arial" panose="020B0604020202020204" pitchFamily="34" charset="0"/>
                 <a:cs typeface="Arial" panose="020B0604020202020204" pitchFamily="34" charset="0"/>
               </a:rPr>
               <a:t>를 보수적으로 계산</a:t>
             </a:r>
-            <a:endParaRPr lang="ko-KR" altLang="en-US" dirty="0">
-              <a:latin typeface="Arial" panose="020B0604020202020204" pitchFamily="34" charset="0"/>
-              <a:cs typeface="Arial" panose="020B0604020202020204" pitchFamily="34" charset="0"/>
-            </a:endParaRPr>
           </a:p>
         </p:txBody>
       </p:sp>
@@ -5155,13 +5063,6 @@
   <p:clrMapOvr>
     <a:masterClrMapping/>
   </p:clrMapOvr>
-  <p:timing>
-    <p:tnLst>
-      <p:par>
-        <p:cTn id="1" dur="indefinite" restart="never" nodeType="tmRoot"/>
-      </p:par>
-    </p:tnLst>
-  </p:timing>
 </p:sld>
 </file>
 
@@ -5204,21 +5105,7 @@
                 <a:latin typeface="Arial" panose="020B0604020202020204" pitchFamily="34" charset="0"/>
                 <a:cs typeface="Arial" panose="020B0604020202020204" pitchFamily="34" charset="0"/>
               </a:rPr>
-              <a:t>4</a:t>
-            </a:r>
-            <a:r>
-              <a:rPr lang="en-US" altLang="ko-KR" b="1" dirty="0" smtClean="0">
-                <a:latin typeface="Arial" panose="020B0604020202020204" pitchFamily="34" charset="0"/>
-                <a:cs typeface="Arial" panose="020B0604020202020204" pitchFamily="34" charset="0"/>
-              </a:rPr>
-              <a:t>. </a:t>
-            </a:r>
-            <a:r>
-              <a:rPr lang="en-US" altLang="ko-KR" b="1" dirty="0">
-                <a:latin typeface="Arial" panose="020B0604020202020204" pitchFamily="34" charset="0"/>
-                <a:cs typeface="Arial" panose="020B0604020202020204" pitchFamily="34" charset="0"/>
-              </a:rPr>
-              <a:t>Gene ontology analysis</a:t>
+              <a:t>4. Gene ontology analysis</a:t>
             </a:r>
             <a:br>
               <a:rPr lang="en-US" altLang="ko-KR" b="1" dirty="0">
@@ -5293,25 +5180,18 @@
           </a:p>
           <a:p>
             <a:r>
-              <a:rPr lang="en-US" altLang="ko-KR" dirty="0" err="1" smtClean="0">
+              <a:rPr lang="en-US" altLang="ko-KR" dirty="0" err="1">
                 <a:latin typeface="Arial" panose="020B0604020202020204" pitchFamily="34" charset="0"/>
                 <a:cs typeface="Arial" panose="020B0604020202020204" pitchFamily="34" charset="0"/>
               </a:rPr>
               <a:t>Toppgene</a:t>
             </a:r>
             <a:r>
-              <a:rPr lang="en-US" altLang="ko-KR" dirty="0" smtClean="0">
-                <a:latin typeface="Arial" panose="020B0604020202020204" pitchFamily="34" charset="0"/>
-                <a:cs typeface="Arial" panose="020B0604020202020204" pitchFamily="34" charset="0"/>
-              </a:rPr>
-              <a:t> </a:t>
-            </a:r>
-            <a:r>
               <a:rPr lang="en-US" altLang="ko-KR" dirty="0">
                 <a:latin typeface="Arial" panose="020B0604020202020204" pitchFamily="34" charset="0"/>
                 <a:cs typeface="Arial" panose="020B0604020202020204" pitchFamily="34" charset="0"/>
               </a:rPr>
-              <a:t>- https://toppgene.cchmc.org/</a:t>
+              <a:t> - https://toppgene.cchmc.org/</a:t>
             </a:r>
           </a:p>
           <a:p>
@@ -5360,13 +5240,6 @@
   <p:clrMapOvr>
     <a:masterClrMapping/>
   </p:clrMapOvr>
-  <p:timing>
-    <p:tnLst>
-      <p:par>
-        <p:cTn id="1" dur="indefinite" restart="never" nodeType="tmRoot"/>
-      </p:par>
-    </p:tnLst>
-  </p:timing>
 </p:sld>
 </file>
 
@@ -5409,21 +5282,7 @@
                 <a:latin typeface="Arial" panose="020B0604020202020204" pitchFamily="34" charset="0"/>
                 <a:cs typeface="Arial" panose="020B0604020202020204" pitchFamily="34" charset="0"/>
               </a:rPr>
-              <a:t>4</a:t>
-            </a:r>
-            <a:r>
-              <a:rPr lang="en-US" altLang="ko-KR" b="1" dirty="0" smtClean="0">
-                <a:latin typeface="Arial" panose="020B0604020202020204" pitchFamily="34" charset="0"/>
-                <a:cs typeface="Arial" panose="020B0604020202020204" pitchFamily="34" charset="0"/>
-              </a:rPr>
-              <a:t>. </a:t>
-            </a:r>
-            <a:r>
-              <a:rPr lang="en-US" altLang="ko-KR" b="1" dirty="0">
-                <a:latin typeface="Arial" panose="020B0604020202020204" pitchFamily="34" charset="0"/>
-                <a:cs typeface="Arial" panose="020B0604020202020204" pitchFamily="34" charset="0"/>
-              </a:rPr>
-              <a:t>Gene ontology analysis</a:t>
+              <a:t>4. Gene ontology analysis</a:t>
             </a:r>
             <a:br>
               <a:rPr lang="en-US" altLang="ko-KR" b="1" dirty="0">
@@ -5432,7 +5291,7 @@
               </a:rPr>
             </a:br>
             <a:r>
-              <a:rPr lang="en-US" altLang="ko-KR" sz="2800" b="1" dirty="0" smtClean="0">
+              <a:rPr lang="en-US" altLang="ko-KR" sz="2800" b="1" dirty="0">
                 <a:latin typeface="Arial" panose="020B0604020202020204" pitchFamily="34" charset="0"/>
                 <a:cs typeface="Arial" panose="020B0604020202020204" pitchFamily="34" charset="0"/>
               </a:rPr>
@@ -5549,14 +5408,7 @@
                 <a:latin typeface="Arial" panose="020B0604020202020204" pitchFamily="34" charset="0"/>
                 <a:cs typeface="Arial" panose="020B0604020202020204" pitchFamily="34" charset="0"/>
               </a:rPr>
-              <a:t>d</a:t>
-            </a:r>
-            <a:r>
-              <a:rPr lang="en-US" altLang="ko-KR" dirty="0" smtClean="0">
-                <a:latin typeface="Arial" panose="020B0604020202020204" pitchFamily="34" charset="0"/>
-                <a:cs typeface="Arial" panose="020B0604020202020204" pitchFamily="34" charset="0"/>
-              </a:rPr>
-              <a:t>eseq2 </a:t>
+              <a:t>deseq2 </a:t>
             </a:r>
             <a:r>
               <a:rPr lang="ko-KR" altLang="en-US" dirty="0">
@@ -5573,18 +5425,11 @@
               <a:t>Fold change </a:t>
             </a:r>
             <a:r>
-              <a:rPr lang="ko-KR" altLang="en-US" dirty="0" smtClean="0">
-                <a:latin typeface="Arial" panose="020B0604020202020204" pitchFamily="34" charset="0"/>
-                <a:cs typeface="Arial" panose="020B0604020202020204" pitchFamily="34" charset="0"/>
-              </a:rPr>
-              <a:t>값이 큰 </a:t>
-            </a:r>
-            <a:r>
-              <a:rPr lang="ko-KR" altLang="en-US" dirty="0" smtClean="0">
-                <a:latin typeface="Arial" panose="020B0604020202020204" pitchFamily="34" charset="0"/>
-                <a:cs typeface="Arial" panose="020B0604020202020204" pitchFamily="34" charset="0"/>
-              </a:rPr>
-              <a:t> </a:t>
+              <a:rPr lang="ko-KR" altLang="en-US" dirty="0">
+                <a:latin typeface="Arial" panose="020B0604020202020204" pitchFamily="34" charset="0"/>
+                <a:cs typeface="Arial" panose="020B0604020202020204" pitchFamily="34" charset="0"/>
+              </a:rPr>
+              <a:t>값이 큰  </a:t>
             </a:r>
             <a:r>
               <a:rPr lang="en-US" altLang="ko-KR" b="1" dirty="0">
@@ -5601,184 +5446,142 @@
                 <a:latin typeface="Arial" panose="020B0604020202020204" pitchFamily="34" charset="0"/>
                 <a:cs typeface="Arial" panose="020B0604020202020204" pitchFamily="34" charset="0"/>
               </a:rPr>
+              <a:t>에서 유의미한 </a:t>
+            </a:r>
+            <a:r>
+              <a:rPr lang="en-US" altLang="ko-KR" dirty="0">
+                <a:latin typeface="Arial" panose="020B0604020202020204" pitchFamily="34" charset="0"/>
+                <a:cs typeface="Arial" panose="020B0604020202020204" pitchFamily="34" charset="0"/>
+              </a:rPr>
+              <a:t>gene list</a:t>
+            </a:r>
+            <a:r>
+              <a:rPr lang="ko-KR" altLang="en-US" dirty="0">
+                <a:latin typeface="Arial" panose="020B0604020202020204" pitchFamily="34" charset="0"/>
+                <a:cs typeface="Arial" panose="020B0604020202020204" pitchFamily="34" charset="0"/>
+              </a:rPr>
+              <a:t>로 실습을 진행하겠습니다</a:t>
+            </a:r>
+            <a:r>
+              <a:rPr lang="en-US" altLang="ko-KR" dirty="0">
+                <a:latin typeface="Arial" panose="020B0604020202020204" pitchFamily="34" charset="0"/>
+                <a:cs typeface="Arial" panose="020B0604020202020204" pitchFamily="34" charset="0"/>
+              </a:rPr>
+              <a:t>.</a:t>
+            </a:r>
+          </a:p>
+          <a:p>
+            <a:r>
+              <a:rPr lang="en-US" altLang="ko-KR" dirty="0">
+                <a:latin typeface="Arial" panose="020B0604020202020204" pitchFamily="34" charset="0"/>
+                <a:cs typeface="Arial" panose="020B0604020202020204" pitchFamily="34" charset="0"/>
+              </a:rPr>
+              <a:t>Day 24</a:t>
+            </a:r>
+            <a:r>
+              <a:rPr lang="ko-KR" altLang="en-US" dirty="0">
+                <a:latin typeface="Arial" panose="020B0604020202020204" pitchFamily="34" charset="0"/>
+                <a:cs typeface="Arial" panose="020B0604020202020204" pitchFamily="34" charset="0"/>
+              </a:rPr>
               <a:t>에서 </a:t>
             </a:r>
             <a:r>
-              <a:rPr lang="ko-KR" altLang="en-US" dirty="0" smtClean="0">
-                <a:latin typeface="Arial" panose="020B0604020202020204" pitchFamily="34" charset="0"/>
-                <a:cs typeface="Arial" panose="020B0604020202020204" pitchFamily="34" charset="0"/>
-              </a:rPr>
-              <a:t>유의미한 </a:t>
-            </a:r>
-            <a:r>
-              <a:rPr lang="en-US" altLang="ko-KR" dirty="0" smtClean="0">
-                <a:latin typeface="Arial" panose="020B0604020202020204" pitchFamily="34" charset="0"/>
-                <a:cs typeface="Arial" panose="020B0604020202020204" pitchFamily="34" charset="0"/>
-              </a:rPr>
-              <a:t>gene list</a:t>
-            </a:r>
-            <a:r>
-              <a:rPr lang="ko-KR" altLang="en-US" dirty="0" smtClean="0">
-                <a:latin typeface="Arial" panose="020B0604020202020204" pitchFamily="34" charset="0"/>
-                <a:cs typeface="Arial" panose="020B0604020202020204" pitchFamily="34" charset="0"/>
-              </a:rPr>
-              <a:t>로 실습을 진행하</a:t>
+              <a:rPr lang="en-US" altLang="ko-KR" dirty="0">
+                <a:latin typeface="Arial" panose="020B0604020202020204" pitchFamily="34" charset="0"/>
+                <a:cs typeface="Arial" panose="020B0604020202020204" pitchFamily="34" charset="0"/>
+              </a:rPr>
+              <a:t>deseq2 </a:t>
             </a:r>
             <a:r>
               <a:rPr lang="ko-KR" altLang="en-US" dirty="0">
                 <a:latin typeface="Arial" panose="020B0604020202020204" pitchFamily="34" charset="0"/>
                 <a:cs typeface="Arial" panose="020B0604020202020204" pitchFamily="34" charset="0"/>
               </a:rPr>
-              <a:t>겠</a:t>
-            </a:r>
-            <a:r>
-              <a:rPr lang="ko-KR" altLang="en-US" dirty="0" smtClean="0">
-                <a:latin typeface="Arial" panose="020B0604020202020204" pitchFamily="34" charset="0"/>
-                <a:cs typeface="Arial" panose="020B0604020202020204" pitchFamily="34" charset="0"/>
-              </a:rPr>
-              <a:t>습니다</a:t>
-            </a:r>
-            <a:r>
-              <a:rPr lang="en-US" altLang="ko-KR" dirty="0" smtClean="0">
+              <a:t>결과 </a:t>
+            </a:r>
+            <a:r>
+              <a:rPr lang="en-US" altLang="ko-KR" dirty="0">
+                <a:latin typeface="Arial" panose="020B0604020202020204" pitchFamily="34" charset="0"/>
+                <a:cs typeface="Arial" panose="020B0604020202020204" pitchFamily="34" charset="0"/>
+              </a:rPr>
+              <a:t>(</a:t>
+            </a:r>
+            <a:r>
+              <a:rPr lang="en-US" altLang="ko-KR" dirty="0" err="1">
+                <a:latin typeface="Arial" panose="020B0604020202020204" pitchFamily="34" charset="0"/>
+                <a:cs typeface="Arial" panose="020B0604020202020204" pitchFamily="34" charset="0"/>
+              </a:rPr>
+              <a:t>padj</a:t>
+            </a:r>
+            <a:r>
+              <a:rPr lang="ko-KR" altLang="en-US" dirty="0">
+                <a:latin typeface="Arial" panose="020B0604020202020204" pitchFamily="34" charset="0"/>
+                <a:cs typeface="Arial" panose="020B0604020202020204" pitchFamily="34" charset="0"/>
+              </a:rPr>
+              <a:t>가 </a:t>
+            </a:r>
+            <a:r>
+              <a:rPr lang="en-US" altLang="ko-KR" dirty="0">
+                <a:latin typeface="Arial" panose="020B0604020202020204" pitchFamily="34" charset="0"/>
+                <a:cs typeface="Arial" panose="020B0604020202020204" pitchFamily="34" charset="0"/>
+              </a:rPr>
+              <a:t>0.05</a:t>
+            </a:r>
+            <a:r>
+              <a:rPr lang="ko-KR" altLang="en-US" dirty="0">
+                <a:latin typeface="Arial" panose="020B0604020202020204" pitchFamily="34" charset="0"/>
+                <a:cs typeface="Arial" panose="020B0604020202020204" pitchFamily="34" charset="0"/>
+              </a:rPr>
+              <a:t>이하 이며</a:t>
+            </a:r>
+            <a:r>
+              <a:rPr lang="en-US" altLang="ko-KR" dirty="0">
+                <a:latin typeface="Arial" panose="020B0604020202020204" pitchFamily="34" charset="0"/>
+                <a:cs typeface="Arial" panose="020B0604020202020204" pitchFamily="34" charset="0"/>
+              </a:rPr>
+              <a:t> </a:t>
+            </a:r>
+            <a:r>
+              <a:rPr lang="en-US" altLang="ko-KR" dirty="0" err="1">
+                <a:latin typeface="Arial" panose="020B0604020202020204" pitchFamily="34" charset="0"/>
+                <a:cs typeface="Arial" panose="020B0604020202020204" pitchFamily="34" charset="0"/>
+              </a:rPr>
+              <a:t>logFC</a:t>
+            </a:r>
+            <a:r>
+              <a:rPr lang="en-US" altLang="ko-KR" dirty="0">
+                <a:latin typeface="Arial" panose="020B0604020202020204" pitchFamily="34" charset="0"/>
+                <a:cs typeface="Arial" panose="020B0604020202020204" pitchFamily="34" charset="0"/>
+              </a:rPr>
+              <a:t> -2 </a:t>
+            </a:r>
+            <a:r>
+              <a:rPr lang="ko-KR" altLang="en-US" dirty="0">
+                <a:latin typeface="Arial" panose="020B0604020202020204" pitchFamily="34" charset="0"/>
+                <a:cs typeface="Arial" panose="020B0604020202020204" pitchFamily="34" charset="0"/>
+              </a:rPr>
+              <a:t>보다 작은 </a:t>
+            </a:r>
+            <a:r>
+              <a:rPr lang="en-US" altLang="ko-KR" dirty="0">
+                <a:latin typeface="Arial" panose="020B0604020202020204" pitchFamily="34" charset="0"/>
+                <a:cs typeface="Arial" panose="020B0604020202020204" pitchFamily="34" charset="0"/>
+              </a:rPr>
+              <a:t>)</a:t>
+            </a:r>
+            <a:r>
+              <a:rPr lang="ko-KR" altLang="en-US" dirty="0">
+                <a:latin typeface="Arial" panose="020B0604020202020204" pitchFamily="34" charset="0"/>
+                <a:cs typeface="Arial" panose="020B0604020202020204" pitchFamily="34" charset="0"/>
+              </a:rPr>
+              <a:t> 유전자들만 추출해서 사용을 하겠습니다</a:t>
+            </a:r>
+            <a:r>
+              <a:rPr lang="en-US" altLang="ko-KR" dirty="0">
                 <a:latin typeface="Arial" panose="020B0604020202020204" pitchFamily="34" charset="0"/>
                 <a:cs typeface="Arial" panose="020B0604020202020204" pitchFamily="34" charset="0"/>
               </a:rPr>
               <a:t>.</a:t>
-            </a:r>
-          </a:p>
-          <a:p>
-            <a:r>
-              <a:rPr lang="en-US" altLang="ko-KR" dirty="0" smtClean="0">
-                <a:latin typeface="Arial" panose="020B0604020202020204" pitchFamily="34" charset="0"/>
-                <a:cs typeface="Arial" panose="020B0604020202020204" pitchFamily="34" charset="0"/>
-              </a:rPr>
-              <a:t>Day 24</a:t>
-            </a:r>
-            <a:r>
-              <a:rPr lang="ko-KR" altLang="en-US" dirty="0" smtClean="0">
-                <a:latin typeface="Arial" panose="020B0604020202020204" pitchFamily="34" charset="0"/>
-                <a:cs typeface="Arial" panose="020B0604020202020204" pitchFamily="34" charset="0"/>
-              </a:rPr>
-              <a:t>에서 </a:t>
-            </a:r>
-            <a:r>
-              <a:rPr lang="en-US" altLang="ko-KR" dirty="0" smtClean="0">
-                <a:latin typeface="Arial" panose="020B0604020202020204" pitchFamily="34" charset="0"/>
-                <a:cs typeface="Arial" panose="020B0604020202020204" pitchFamily="34" charset="0"/>
-              </a:rPr>
-              <a:t>deseq2 </a:t>
-            </a:r>
-            <a:r>
-              <a:rPr lang="ko-KR" altLang="en-US" dirty="0" smtClean="0">
-                <a:latin typeface="Arial" panose="020B0604020202020204" pitchFamily="34" charset="0"/>
-                <a:cs typeface="Arial" panose="020B0604020202020204" pitchFamily="34" charset="0"/>
-              </a:rPr>
-              <a:t>결과 </a:t>
-            </a:r>
-            <a:r>
-              <a:rPr lang="en-US" altLang="ko-KR" dirty="0" smtClean="0">
-                <a:latin typeface="Arial" panose="020B0604020202020204" pitchFamily="34" charset="0"/>
-                <a:cs typeface="Arial" panose="020B0604020202020204" pitchFamily="34" charset="0"/>
-              </a:rPr>
-              <a:t>(</a:t>
-            </a:r>
-            <a:r>
-              <a:rPr lang="en-US" altLang="ko-KR" dirty="0" err="1" smtClean="0">
-                <a:latin typeface="Arial" panose="020B0604020202020204" pitchFamily="34" charset="0"/>
-                <a:cs typeface="Arial" panose="020B0604020202020204" pitchFamily="34" charset="0"/>
-              </a:rPr>
-              <a:t>padj</a:t>
-            </a:r>
-            <a:r>
-              <a:rPr lang="ko-KR" altLang="en-US" dirty="0" smtClean="0">
-                <a:latin typeface="Arial" panose="020B0604020202020204" pitchFamily="34" charset="0"/>
-                <a:cs typeface="Arial" panose="020B0604020202020204" pitchFamily="34" charset="0"/>
-              </a:rPr>
-              <a:t>가 </a:t>
-            </a:r>
-            <a:r>
-              <a:rPr lang="en-US" altLang="ko-KR" dirty="0" smtClean="0">
-                <a:latin typeface="Arial" panose="020B0604020202020204" pitchFamily="34" charset="0"/>
-                <a:cs typeface="Arial" panose="020B0604020202020204" pitchFamily="34" charset="0"/>
-              </a:rPr>
-              <a:t>0.05</a:t>
-            </a:r>
-            <a:r>
-              <a:rPr lang="ko-KR" altLang="en-US" dirty="0" smtClean="0">
-                <a:latin typeface="Arial" panose="020B0604020202020204" pitchFamily="34" charset="0"/>
-                <a:cs typeface="Arial" panose="020B0604020202020204" pitchFamily="34" charset="0"/>
-              </a:rPr>
-              <a:t>이하 이며</a:t>
-            </a:r>
-            <a:r>
-              <a:rPr lang="en-US" altLang="ko-KR" dirty="0" smtClean="0">
-                <a:latin typeface="Arial" panose="020B0604020202020204" pitchFamily="34" charset="0"/>
-                <a:cs typeface="Arial" panose="020B0604020202020204" pitchFamily="34" charset="0"/>
-              </a:rPr>
-              <a:t> </a:t>
-            </a:r>
-            <a:r>
-              <a:rPr lang="en-US" altLang="ko-KR" dirty="0" err="1" smtClean="0">
-                <a:latin typeface="Arial" panose="020B0604020202020204" pitchFamily="34" charset="0"/>
-                <a:cs typeface="Arial" panose="020B0604020202020204" pitchFamily="34" charset="0"/>
-              </a:rPr>
-              <a:t>logFC</a:t>
-            </a:r>
-            <a:r>
-              <a:rPr lang="en-US" altLang="ko-KR" dirty="0">
-                <a:latin typeface="Arial" panose="020B0604020202020204" pitchFamily="34" charset="0"/>
-                <a:cs typeface="Arial" panose="020B0604020202020204" pitchFamily="34" charset="0"/>
-              </a:rPr>
-              <a:t> </a:t>
-            </a:r>
-            <a:r>
-              <a:rPr lang="en-US" altLang="ko-KR" dirty="0" smtClean="0">
-                <a:latin typeface="Arial" panose="020B0604020202020204" pitchFamily="34" charset="0"/>
-                <a:cs typeface="Arial" panose="020B0604020202020204" pitchFamily="34" charset="0"/>
-              </a:rPr>
-              <a:t>-2 </a:t>
-            </a:r>
-            <a:r>
-              <a:rPr lang="ko-KR" altLang="en-US" dirty="0" smtClean="0">
-                <a:latin typeface="Arial" panose="020B0604020202020204" pitchFamily="34" charset="0"/>
-                <a:cs typeface="Arial" panose="020B0604020202020204" pitchFamily="34" charset="0"/>
-              </a:rPr>
-              <a:t>보다 작은 </a:t>
-            </a:r>
-            <a:r>
-              <a:rPr lang="en-US" altLang="ko-KR" dirty="0" smtClean="0">
-                <a:latin typeface="Arial" panose="020B0604020202020204" pitchFamily="34" charset="0"/>
-                <a:cs typeface="Arial" panose="020B0604020202020204" pitchFamily="34" charset="0"/>
-              </a:rPr>
-              <a:t>)</a:t>
-            </a:r>
-            <a:r>
-              <a:rPr lang="ko-KR" altLang="en-US" dirty="0" smtClean="0">
-                <a:latin typeface="Arial" panose="020B0604020202020204" pitchFamily="34" charset="0"/>
-                <a:cs typeface="Arial" panose="020B0604020202020204" pitchFamily="34" charset="0"/>
-              </a:rPr>
-              <a:t> </a:t>
-            </a:r>
-            <a:r>
-              <a:rPr lang="ko-KR" altLang="en-US" dirty="0" smtClean="0">
-                <a:latin typeface="Arial" panose="020B0604020202020204" pitchFamily="34" charset="0"/>
-                <a:cs typeface="Arial" panose="020B0604020202020204" pitchFamily="34" charset="0"/>
-              </a:rPr>
-              <a:t>유전자들만 추출해서 사용을 하겠습니다</a:t>
-            </a:r>
-            <a:r>
-              <a:rPr lang="en-US" altLang="ko-KR" dirty="0" smtClean="0">
-                <a:latin typeface="Arial" panose="020B0604020202020204" pitchFamily="34" charset="0"/>
-                <a:cs typeface="Arial" panose="020B0604020202020204" pitchFamily="34" charset="0"/>
-              </a:rPr>
-              <a:t>.</a:t>
-            </a:r>
-            <a:r>
-              <a:rPr lang="en-US" altLang="ko-KR" dirty="0">
-                <a:latin typeface="Arial" panose="020B0604020202020204" pitchFamily="34" charset="0"/>
-                <a:cs typeface="Arial" panose="020B0604020202020204" pitchFamily="34" charset="0"/>
-              </a:rPr>
-              <a:t/>
             </a:r>
             <a:br>
               <a:rPr lang="en-US" altLang="ko-KR" dirty="0">
@@ -5787,51 +5590,47 @@
               </a:rPr>
             </a:br>
             <a:r>
-              <a:rPr lang="en-US" altLang="ko-KR" dirty="0" err="1" smtClean="0">
+              <a:rPr lang="en-US" altLang="ko-KR" dirty="0" err="1">
                 <a:latin typeface="Arial" panose="020B0604020202020204" pitchFamily="34" charset="0"/>
                 <a:cs typeface="Arial" panose="020B0604020202020204" pitchFamily="34" charset="0"/>
               </a:rPr>
               <a:t>GCTfh</a:t>
             </a:r>
             <a:r>
-              <a:rPr lang="en-US" altLang="ko-KR" dirty="0" smtClean="0">
+              <a:rPr lang="en-US" altLang="ko-KR" dirty="0">
                 <a:latin typeface="Arial" panose="020B0604020202020204" pitchFamily="34" charset="0"/>
                 <a:cs typeface="Arial" panose="020B0604020202020204" pitchFamily="34" charset="0"/>
               </a:rPr>
               <a:t>-like cell</a:t>
             </a:r>
             <a:r>
-              <a:rPr lang="ko-KR" altLang="en-US" dirty="0" smtClean="0">
+              <a:rPr lang="ko-KR" altLang="en-US" dirty="0">
                 <a:latin typeface="Arial" panose="020B0604020202020204" pitchFamily="34" charset="0"/>
                 <a:cs typeface="Arial" panose="020B0604020202020204" pitchFamily="34" charset="0"/>
               </a:rPr>
               <a:t>에서 </a:t>
             </a:r>
             <a:r>
-              <a:rPr lang="en-US" altLang="ko-KR" dirty="0" smtClean="0">
+              <a:rPr lang="en-US" altLang="ko-KR" dirty="0">
                 <a:latin typeface="Arial" panose="020B0604020202020204" pitchFamily="34" charset="0"/>
                 <a:cs typeface="Arial" panose="020B0604020202020204" pitchFamily="34" charset="0"/>
               </a:rPr>
               <a:t>up regulation </a:t>
             </a:r>
             <a:r>
-              <a:rPr lang="ko-KR" altLang="en-US" dirty="0" smtClean="0">
+              <a:rPr lang="ko-KR" altLang="en-US" dirty="0">
                 <a:latin typeface="Arial" panose="020B0604020202020204" pitchFamily="34" charset="0"/>
                 <a:cs typeface="Arial" panose="020B0604020202020204" pitchFamily="34" charset="0"/>
               </a:rPr>
               <a:t>되는 유전자들과 연관된 </a:t>
             </a:r>
             <a:r>
-              <a:rPr lang="en-US" altLang="ko-KR" dirty="0" smtClean="0">
+              <a:rPr lang="en-US" altLang="ko-KR" dirty="0">
                 <a:latin typeface="Arial" panose="020B0604020202020204" pitchFamily="34" charset="0"/>
                 <a:cs typeface="Arial" panose="020B0604020202020204" pitchFamily="34" charset="0"/>
               </a:rPr>
               <a:t>GO Term</a:t>
             </a:r>
-            <a:endParaRPr lang="en-US" altLang="ko-KR" dirty="0" smtClean="0">
-              <a:latin typeface="Arial" panose="020B0604020202020204" pitchFamily="34" charset="0"/>
-              <a:cs typeface="Arial" panose="020B0604020202020204" pitchFamily="34" charset="0"/>
-            </a:endParaRPr>
           </a:p>
           <a:p>
             <a:endParaRPr lang="ko-KR" altLang="en-US" dirty="0">
@@ -5851,13 +5650,6 @@
   <p:clrMapOvr>
     <a:masterClrMapping/>
   </p:clrMapOvr>
-  <p:timing>
-    <p:tnLst>
-      <p:par>
-        <p:cTn id="1" dur="indefinite" restart="never" nodeType="tmRoot"/>
-      </p:par>
-    </p:tnLst>
-  </p:timing>
 </p:sld>
 </file>
 
@@ -5883,7 +5675,7 @@
           <p:cNvPr id="7" name="그림 6">
             <a:extLst>
               <a:ext uri="{FF2B5EF4-FFF2-40B4-BE49-F238E27FC236}">
-                <a16:creationId xmlns:a16="http://schemas.microsoft.com/office/drawing/2014/main" xmlns="" id="{D30CFB75-0B46-46D9-90DD-FCF414E4977C}"/>
+                <a16:creationId xmlns:a16="http://schemas.microsoft.com/office/drawing/2014/main" id="{D30CFB75-0B46-46D9-90DD-FCF414E4977C}"/>
               </a:ext>
             </a:extLst>
           </p:cNvPr>
@@ -5930,21 +5722,7 @@
                 <a:latin typeface="Arial" panose="020B0604020202020204" pitchFamily="34" charset="0"/>
                 <a:cs typeface="Arial" panose="020B0604020202020204" pitchFamily="34" charset="0"/>
               </a:rPr>
-              <a:t>4</a:t>
-            </a:r>
-            <a:r>
-              <a:rPr lang="en-US" altLang="ko-KR" b="1" dirty="0" smtClean="0">
-                <a:latin typeface="Arial" panose="020B0604020202020204" pitchFamily="34" charset="0"/>
-                <a:cs typeface="Arial" panose="020B0604020202020204" pitchFamily="34" charset="0"/>
-              </a:rPr>
-              <a:t>. </a:t>
-            </a:r>
-            <a:r>
-              <a:rPr lang="en-US" altLang="ko-KR" b="1" dirty="0">
-                <a:latin typeface="Arial" panose="020B0604020202020204" pitchFamily="34" charset="0"/>
-                <a:cs typeface="Arial" panose="020B0604020202020204" pitchFamily="34" charset="0"/>
-              </a:rPr>
-              <a:t>Gene ontology analysis</a:t>
+              <a:t>4. Gene ontology analysis</a:t>
             </a:r>
             <a:br>
               <a:rPr lang="en-US" altLang="ko-KR" b="1" dirty="0">
@@ -6173,7 +5951,7 @@
           <p:cNvPr id="9" name="TextBox 8">
             <a:extLst>
               <a:ext uri="{FF2B5EF4-FFF2-40B4-BE49-F238E27FC236}">
-                <a16:creationId xmlns:a16="http://schemas.microsoft.com/office/drawing/2014/main" xmlns="" id="{47C132BF-04FE-4A0C-BAD5-4874BB3EE044}"/>
+                <a16:creationId xmlns:a16="http://schemas.microsoft.com/office/drawing/2014/main" id="{47C132BF-04FE-4A0C-BAD5-4874BB3EE044}"/>
               </a:ext>
             </a:extLst>
           </p:cNvPr>
@@ -6201,17 +5979,10 @@
                 <a:latin typeface="Arial" panose="020B0604020202020204" pitchFamily="34" charset="0"/>
                 <a:cs typeface="Arial" panose="020B0604020202020204" pitchFamily="34" charset="0"/>
               </a:rPr>
-              <a:t>Paste genes </a:t>
-            </a:r>
-            <a:r>
-              <a:rPr lang="en-US" altLang="ko-KR" dirty="0" smtClean="0">
-                <a:latin typeface="Arial" panose="020B0604020202020204" pitchFamily="34" charset="0"/>
-                <a:cs typeface="Arial" panose="020B0604020202020204" pitchFamily="34" charset="0"/>
-              </a:rPr>
-              <a:t>in </a:t>
-            </a:r>
-            <a:r>
-              <a:rPr lang="en-US" altLang="ko-KR" b="1" dirty="0" smtClean="0">
+              <a:t>Paste genes in </a:t>
+            </a:r>
+            <a:r>
+              <a:rPr lang="en-US" altLang="ko-KR" b="1" dirty="0">
                 <a:solidFill>
                   <a:srgbClr val="FF0000"/>
                 </a:solidFill>
@@ -6223,44 +5994,26 @@
           </a:p>
           <a:p>
             <a:r>
-              <a:rPr lang="en-US" altLang="ko-KR" dirty="0" smtClean="0">
+              <a:rPr lang="en-US" altLang="ko-KR" dirty="0">
                 <a:latin typeface="Arial" panose="020B0604020202020204" pitchFamily="34" charset="0"/>
                 <a:cs typeface="Arial" panose="020B0604020202020204" pitchFamily="34" charset="0"/>
               </a:rPr>
               <a:t>( </a:t>
             </a:r>
             <a:r>
-              <a:rPr lang="en-US" altLang="ko-KR" dirty="0" err="1" smtClean="0">
+              <a:rPr lang="en-US" altLang="ko-KR" dirty="0" err="1">
                 <a:latin typeface="Arial" panose="020B0604020202020204" pitchFamily="34" charset="0"/>
                 <a:cs typeface="Arial" panose="020B0604020202020204" pitchFamily="34" charset="0"/>
               </a:rPr>
               <a:t>padj</a:t>
             </a:r>
             <a:r>
-              <a:rPr lang="en-US" altLang="ko-KR" dirty="0" smtClean="0">
-                <a:latin typeface="Arial" panose="020B0604020202020204" pitchFamily="34" charset="0"/>
-                <a:cs typeface="Arial" panose="020B0604020202020204" pitchFamily="34" charset="0"/>
-              </a:rPr>
-              <a:t> </a:t>
-            </a:r>
-            <a:r>
               <a:rPr lang="en-US" altLang="ko-KR" dirty="0">
                 <a:latin typeface="Arial" panose="020B0604020202020204" pitchFamily="34" charset="0"/>
                 <a:cs typeface="Arial" panose="020B0604020202020204" pitchFamily="34" charset="0"/>
               </a:rPr>
-              <a:t>(&lt;0.05</a:t>
-            </a:r>
-            <a:r>
-              <a:rPr lang="en-US" altLang="ko-KR" dirty="0" smtClean="0">
-                <a:latin typeface="Arial" panose="020B0604020202020204" pitchFamily="34" charset="0"/>
-                <a:cs typeface="Arial" panose="020B0604020202020204" pitchFamily="34" charset="0"/>
-              </a:rPr>
-              <a:t>) and (log2FC &lt;-2 ) </a:t>
-            </a:r>
-            <a:endParaRPr lang="en-US" altLang="ko-KR" dirty="0" smtClean="0">
-              <a:latin typeface="Arial" panose="020B0604020202020204" pitchFamily="34" charset="0"/>
-              <a:cs typeface="Arial" panose="020B0604020202020204" pitchFamily="34" charset="0"/>
-            </a:endParaRPr>
+              <a:t> (&lt;0.05) and (log2FC &lt;-2 ) </a:t>
+            </a:r>
           </a:p>
         </p:txBody>
       </p:sp>
@@ -6269,7 +6022,7 @@
           <p:cNvPr id="13" name="TextBox 12">
             <a:extLst>
               <a:ext uri="{FF2B5EF4-FFF2-40B4-BE49-F238E27FC236}">
-                <a16:creationId xmlns:a16="http://schemas.microsoft.com/office/drawing/2014/main" xmlns="" id="{3325B943-446F-4ACC-9424-5A487B72F510}"/>
+                <a16:creationId xmlns:a16="http://schemas.microsoft.com/office/drawing/2014/main" id="{3325B943-446F-4ACC-9424-5A487B72F510}"/>
               </a:ext>
             </a:extLst>
           </p:cNvPr>
@@ -6630,7 +6383,7 @@
           <a:lstStyle/>
           <a:p>
             <a:r>
-              <a:rPr lang="en-US" altLang="ko-KR" sz="3600" b="1" dirty="0" smtClean="0">
+              <a:rPr lang="en-US" altLang="ko-KR" sz="3600" b="1" dirty="0">
                 <a:latin typeface="Arial" panose="020B0604020202020204" pitchFamily="34" charset="0"/>
                 <a:ea typeface="Arial Unicode MS" panose="020B0604020202020204" pitchFamily="50" charset="-127"/>
                 <a:cs typeface="Arial" panose="020B0604020202020204" pitchFamily="34" charset="0"/>
@@ -6668,7 +6421,7 @@
           <a:lstStyle/>
           <a:p>
             <a:r>
-              <a:rPr lang="en-US" altLang="ko-KR" sz="3600" b="1" dirty="0" smtClean="0">
+              <a:rPr lang="en-US" altLang="ko-KR" sz="3600" b="1" dirty="0">
                 <a:latin typeface="Arial" panose="020B0604020202020204" pitchFamily="34" charset="0"/>
                 <a:ea typeface="Arial Unicode MS" panose="020B0604020202020204" pitchFamily="50" charset="-127"/>
                 <a:cs typeface="Arial" panose="020B0604020202020204" pitchFamily="34" charset="0"/>
@@ -6744,7 +6497,7 @@
           <a:lstStyle/>
           <a:p>
             <a:r>
-              <a:rPr lang="en-US" altLang="ko-KR" sz="3600" b="1" dirty="0" smtClean="0">
+              <a:rPr lang="en-US" altLang="ko-KR" sz="3600" b="1" dirty="0">
                 <a:latin typeface="Arial" panose="020B0604020202020204" pitchFamily="34" charset="0"/>
                 <a:ea typeface="Arial Unicode MS" panose="020B0604020202020204" pitchFamily="50" charset="-127"/>
                 <a:cs typeface="Arial" panose="020B0604020202020204" pitchFamily="34" charset="0"/>
@@ -6769,13 +6522,6 @@
   <p:clrMapOvr>
     <a:masterClrMapping/>
   </p:clrMapOvr>
-  <p:timing>
-    <p:tnLst>
-      <p:par>
-        <p:cTn id="1" dur="indefinite" restart="never" nodeType="tmRoot"/>
-      </p:par>
-    </p:tnLst>
-  </p:timing>
 </p:sld>
 </file>
 
@@ -6840,21 +6586,7 @@
                 <a:latin typeface="Arial" panose="020B0604020202020204" pitchFamily="34" charset="0"/>
                 <a:cs typeface="Arial" panose="020B0604020202020204" pitchFamily="34" charset="0"/>
               </a:rPr>
-              <a:t>4</a:t>
-            </a:r>
-            <a:r>
-              <a:rPr lang="en-US" altLang="ko-KR" b="1" dirty="0" smtClean="0">
-                <a:latin typeface="Arial" panose="020B0604020202020204" pitchFamily="34" charset="0"/>
-                <a:cs typeface="Arial" panose="020B0604020202020204" pitchFamily="34" charset="0"/>
-              </a:rPr>
-              <a:t>. </a:t>
-            </a:r>
-            <a:r>
-              <a:rPr lang="en-US" altLang="ko-KR" b="1" dirty="0">
-                <a:latin typeface="Arial" panose="020B0604020202020204" pitchFamily="34" charset="0"/>
-                <a:cs typeface="Arial" panose="020B0604020202020204" pitchFamily="34" charset="0"/>
-              </a:rPr>
-              <a:t>Gene ontology analysis</a:t>
+              <a:t>4. Gene ontology analysis</a:t>
             </a:r>
             <a:br>
               <a:rPr lang="en-US" altLang="ko-KR" b="1" dirty="0">
@@ -6878,7 +6610,7 @@
           <p:cNvPr id="13" name="직사각형 12">
             <a:extLst>
               <a:ext uri="{FF2B5EF4-FFF2-40B4-BE49-F238E27FC236}">
-                <a16:creationId xmlns:a16="http://schemas.microsoft.com/office/drawing/2014/main" xmlns="" id="{0250A97E-66D6-41A7-ACDF-0E685F2CDE28}"/>
+                <a16:creationId xmlns:a16="http://schemas.microsoft.com/office/drawing/2014/main" id="{0250A97E-66D6-41A7-ACDF-0E685F2CDE28}"/>
               </a:ext>
             </a:extLst>
           </p:cNvPr>
@@ -6999,7 +6731,7 @@
           <a:lstStyle/>
           <a:p>
             <a:r>
-              <a:rPr lang="en-US" altLang="ko-KR" sz="3600" b="1" dirty="0" smtClean="0">
+              <a:rPr lang="en-US" altLang="ko-KR" sz="3600" b="1" dirty="0">
                 <a:latin typeface="Arial" panose="020B0604020202020204" pitchFamily="34" charset="0"/>
                 <a:ea typeface="Arial Unicode MS" panose="020B0604020202020204" pitchFamily="50" charset="-127"/>
                 <a:cs typeface="Arial" panose="020B0604020202020204" pitchFamily="34" charset="0"/>
@@ -7024,13 +6756,6 @@
   <p:clrMapOvr>
     <a:masterClrMapping/>
   </p:clrMapOvr>
-  <p:timing>
-    <p:tnLst>
-      <p:par>
-        <p:cTn id="1" dur="indefinite" restart="never" nodeType="tmRoot"/>
-      </p:par>
-    </p:tnLst>
-  </p:timing>
 </p:sld>
 </file>
 
@@ -7071,21 +6796,7 @@
                 <a:latin typeface="Arial" panose="020B0604020202020204" pitchFamily="34" charset="0"/>
                 <a:cs typeface="Arial" panose="020B0604020202020204" pitchFamily="34" charset="0"/>
               </a:rPr>
-              <a:t>4</a:t>
-            </a:r>
-            <a:r>
-              <a:rPr lang="en-US" altLang="ko-KR" b="1" dirty="0" smtClean="0">
-                <a:latin typeface="Arial" panose="020B0604020202020204" pitchFamily="34" charset="0"/>
-                <a:cs typeface="Arial" panose="020B0604020202020204" pitchFamily="34" charset="0"/>
-              </a:rPr>
-              <a:t>. </a:t>
-            </a:r>
-            <a:r>
-              <a:rPr lang="en-US" altLang="ko-KR" b="1" dirty="0">
-                <a:latin typeface="Arial" panose="020B0604020202020204" pitchFamily="34" charset="0"/>
-                <a:cs typeface="Arial" panose="020B0604020202020204" pitchFamily="34" charset="0"/>
-              </a:rPr>
-              <a:t>Gene ontology analysis</a:t>
+              <a:t>4. Gene ontology analysis</a:t>
             </a:r>
             <a:br>
               <a:rPr lang="en-US" altLang="ko-KR" b="1" dirty="0">
@@ -7174,7 +6885,7 @@
           <a:lstStyle/>
           <a:p>
             <a:r>
-              <a:rPr lang="en-US" altLang="ko-KR" dirty="0" smtClean="0">
+              <a:rPr lang="en-US" altLang="ko-KR" dirty="0">
                 <a:latin typeface="Arial" panose="020B0604020202020204" pitchFamily="34" charset="0"/>
                 <a:cs typeface="Arial" panose="020B0604020202020204" pitchFamily="34" charset="0"/>
               </a:rPr>
@@ -7305,27 +7016,27 @@
           <a:lstStyle/>
           <a:p>
             <a:r>
-              <a:rPr lang="ko-KR" altLang="en-US" dirty="0" smtClean="0"/>
+              <a:rPr lang="ko-KR" altLang="en-US" dirty="0"/>
               <a:t>현재 분석에서는 </a:t>
             </a:r>
             <a:r>
-              <a:rPr lang="en-US" altLang="ko-KR" dirty="0" smtClean="0"/>
+              <a:rPr lang="en-US" altLang="ko-KR" dirty="0"/>
               <a:t>default</a:t>
             </a:r>
             <a:r>
-              <a:rPr lang="ko-KR" altLang="en-US" dirty="0" smtClean="0"/>
+              <a:rPr lang="ko-KR" altLang="en-US" dirty="0"/>
               <a:t>로 정해진 </a:t>
             </a:r>
             <a:r>
-              <a:rPr lang="en-US" altLang="ko-KR" dirty="0" smtClean="0"/>
+              <a:rPr lang="en-US" altLang="ko-KR" dirty="0"/>
               <a:t>Gene ontology </a:t>
             </a:r>
             <a:r>
-              <a:rPr lang="ko-KR" altLang="en-US" dirty="0" smtClean="0"/>
+              <a:rPr lang="ko-KR" altLang="en-US" dirty="0"/>
               <a:t>로 실습을 진행을 하겠습니다</a:t>
             </a:r>
             <a:r>
-              <a:rPr lang="en-US" altLang="ko-KR" dirty="0" smtClean="0"/>
+              <a:rPr lang="en-US" altLang="ko-KR" dirty="0"/>
               <a:t>.</a:t>
             </a:r>
             <a:endParaRPr lang="ko-KR" altLang="en-US" dirty="0"/>
@@ -7342,13 +7053,6 @@
   <p:clrMapOvr>
     <a:masterClrMapping/>
   </p:clrMapOvr>
-  <p:timing>
-    <p:tnLst>
-      <p:par>
-        <p:cTn id="1" dur="indefinite" restart="never" nodeType="tmRoot"/>
-      </p:par>
-    </p:tnLst>
-  </p:timing>
 </p:sld>
 </file>
 
@@ -7413,21 +7117,7 @@
                 <a:latin typeface="Arial" panose="020B0604020202020204" pitchFamily="34" charset="0"/>
                 <a:cs typeface="Arial" panose="020B0604020202020204" pitchFamily="34" charset="0"/>
               </a:rPr>
-              <a:t>4</a:t>
-            </a:r>
-            <a:r>
-              <a:rPr lang="en-US" altLang="ko-KR" b="1" dirty="0" smtClean="0">
-                <a:latin typeface="Arial" panose="020B0604020202020204" pitchFamily="34" charset="0"/>
-                <a:cs typeface="Arial" panose="020B0604020202020204" pitchFamily="34" charset="0"/>
-              </a:rPr>
-              <a:t>. </a:t>
-            </a:r>
-            <a:r>
-              <a:rPr lang="en-US" altLang="ko-KR" b="1" dirty="0">
-                <a:latin typeface="Arial" panose="020B0604020202020204" pitchFamily="34" charset="0"/>
-                <a:cs typeface="Arial" panose="020B0604020202020204" pitchFamily="34" charset="0"/>
-              </a:rPr>
-              <a:t>Gene ontology analysis</a:t>
+              <a:t>4. Gene ontology analysis</a:t>
             </a:r>
             <a:br>
               <a:rPr lang="en-US" altLang="ko-KR" b="1" dirty="0">
@@ -7502,7 +7192,7 @@
           <a:lstStyle/>
           <a:p>
             <a:r>
-              <a:rPr lang="en-US" altLang="ko-KR" dirty="0" smtClean="0">
+              <a:rPr lang="en-US" altLang="ko-KR" dirty="0">
                 <a:solidFill>
                   <a:srgbClr val="FF0000"/>
                 </a:solidFill>
@@ -7544,7 +7234,7 @@
           <a:lstStyle/>
           <a:p>
             <a:r>
-              <a:rPr lang="en-US" altLang="ko-KR" dirty="0" smtClean="0">
+              <a:rPr lang="en-US" altLang="ko-KR" dirty="0">
                 <a:solidFill>
                   <a:srgbClr val="FF0000"/>
                 </a:solidFill>
@@ -7658,7 +7348,7 @@
           <a:lstStyle/>
           <a:p>
             <a:r>
-              <a:rPr lang="en-US" altLang="ko-KR" dirty="0" smtClean="0">
+              <a:rPr lang="en-US" altLang="ko-KR" dirty="0">
                 <a:solidFill>
                   <a:srgbClr val="FF0000"/>
                 </a:solidFill>
@@ -7815,7 +7505,7 @@
           <a:lstStyle/>
           <a:p>
             <a:r>
-              <a:rPr lang="en-US" altLang="ko-KR" dirty="0" smtClean="0">
+              <a:rPr lang="en-US" altLang="ko-KR" dirty="0">
                 <a:solidFill>
                   <a:srgbClr val="FF0000"/>
                 </a:solidFill>
@@ -8018,13 +7708,6 @@
   <p:clrMapOvr>
     <a:masterClrMapping/>
   </p:clrMapOvr>
-  <p:timing>
-    <p:tnLst>
-      <p:par>
-        <p:cTn id="1" dur="indefinite" restart="never" nodeType="tmRoot"/>
-      </p:par>
-    </p:tnLst>
-  </p:timing>
 </p:sld>
 </file>
 
@@ -8089,21 +7772,7 @@
                 <a:latin typeface="Arial" panose="020B0604020202020204" pitchFamily="34" charset="0"/>
                 <a:cs typeface="Arial" panose="020B0604020202020204" pitchFamily="34" charset="0"/>
               </a:rPr>
-              <a:t>4</a:t>
-            </a:r>
-            <a:r>
-              <a:rPr lang="en-US" altLang="ko-KR" b="1" dirty="0" smtClean="0">
-                <a:latin typeface="Arial" panose="020B0604020202020204" pitchFamily="34" charset="0"/>
-                <a:cs typeface="Arial" panose="020B0604020202020204" pitchFamily="34" charset="0"/>
-              </a:rPr>
-              <a:t>. </a:t>
-            </a:r>
-            <a:r>
-              <a:rPr lang="en-US" altLang="ko-KR" b="1" dirty="0">
-                <a:latin typeface="Arial" panose="020B0604020202020204" pitchFamily="34" charset="0"/>
-                <a:cs typeface="Arial" panose="020B0604020202020204" pitchFamily="34" charset="0"/>
-              </a:rPr>
-              <a:t>Gene ontology analysis</a:t>
+              <a:t>4. Gene ontology analysis</a:t>
             </a:r>
             <a:br>
               <a:rPr lang="en-US" altLang="ko-KR" b="1" dirty="0">
@@ -8112,7 +7781,7 @@
               </a:rPr>
             </a:br>
             <a:r>
-              <a:rPr lang="en-US" altLang="ko-KR" sz="2800" b="1" dirty="0" smtClean="0">
+              <a:rPr lang="en-US" altLang="ko-KR" sz="2800" b="1" dirty="0">
                 <a:latin typeface="Arial" panose="020B0604020202020204" pitchFamily="34" charset="0"/>
                 <a:cs typeface="Arial" panose="020B0604020202020204" pitchFamily="34" charset="0"/>
               </a:rPr>
@@ -8192,26 +7861,12 @@
                 <a:latin typeface="Arial" panose="020B0604020202020204" pitchFamily="34" charset="0"/>
                 <a:cs typeface="Arial" panose="020B0604020202020204" pitchFamily="34" charset="0"/>
               </a:rPr>
-              <a:t>5</a:t>
-            </a:r>
-            <a:r>
-              <a:rPr lang="en-US" altLang="ko-KR" dirty="0" smtClean="0">
-                <a:latin typeface="Arial" panose="020B0604020202020204" pitchFamily="34" charset="0"/>
-                <a:cs typeface="Arial" panose="020B0604020202020204" pitchFamily="34" charset="0"/>
-              </a:rPr>
-              <a:t>9 </a:t>
-            </a:r>
-            <a:r>
-              <a:rPr lang="en-US" altLang="ko-KR" dirty="0" smtClean="0">
-                <a:latin typeface="Arial" panose="020B0604020202020204" pitchFamily="34" charset="0"/>
-                <a:cs typeface="Arial" panose="020B0604020202020204" pitchFamily="34" charset="0"/>
-              </a:rPr>
-              <a:t>Genes</a:t>
-            </a:r>
-          </a:p>
-          <a:p>
-            <a:r>
-              <a:rPr lang="en-US" altLang="ko-KR" dirty="0" smtClean="0">
+              <a:t>59 Genes</a:t>
+            </a:r>
+          </a:p>
+          <a:p>
+            <a:r>
+              <a:rPr lang="en-US" altLang="ko-KR" dirty="0">
                 <a:latin typeface="Arial" panose="020B0604020202020204" pitchFamily="34" charset="0"/>
                 <a:cs typeface="Arial" panose="020B0604020202020204" pitchFamily="34" charset="0"/>
               </a:rPr>
@@ -8225,21 +7880,21 @@
             </a:endParaRPr>
           </a:p>
           <a:p>
-            <a:endParaRPr lang="en-US" altLang="ko-KR" dirty="0" smtClean="0">
+            <a:endParaRPr lang="en-US" altLang="ko-KR" dirty="0">
               <a:latin typeface="Arial" panose="020B0604020202020204" pitchFamily="34" charset="0"/>
               <a:cs typeface="Arial" panose="020B0604020202020204" pitchFamily="34" charset="0"/>
             </a:endParaRPr>
           </a:p>
           <a:p>
             <a:r>
-              <a:rPr lang="en-US" altLang="ko-KR" b="1" dirty="0" smtClean="0">
+              <a:rPr lang="en-US" altLang="ko-KR" b="1" dirty="0">
                 <a:latin typeface="Arial" panose="020B0604020202020204" pitchFamily="34" charset="0"/>
                 <a:cs typeface="Arial" panose="020B0604020202020204" pitchFamily="34" charset="0"/>
               </a:rPr>
               <a:t>Matched</a:t>
             </a:r>
             <a:r>
-              <a:rPr lang="en-US" altLang="ko-KR" dirty="0" smtClean="0">
+              <a:rPr lang="en-US" altLang="ko-KR" dirty="0">
                 <a:latin typeface="Arial" panose="020B0604020202020204" pitchFamily="34" charset="0"/>
                 <a:cs typeface="Arial" panose="020B0604020202020204" pitchFamily="34" charset="0"/>
               </a:rPr>
@@ -8248,7 +7903,7 @@
           </a:p>
           <a:p>
             <a:r>
-              <a:rPr lang="en-US" altLang="ko-KR" dirty="0" smtClean="0">
+              <a:rPr lang="en-US" altLang="ko-KR" dirty="0">
                 <a:latin typeface="Arial" panose="020B0604020202020204" pitchFamily="34" charset="0"/>
                 <a:cs typeface="Arial" panose="020B0604020202020204" pitchFamily="34" charset="0"/>
               </a:rPr>
@@ -8257,7 +7912,7 @@
           </a:p>
           <a:p>
             <a:r>
-              <a:rPr lang="en-US" altLang="ko-KR" dirty="0" smtClean="0">
+              <a:rPr lang="en-US" altLang="ko-KR" dirty="0">
                 <a:latin typeface="Arial" panose="020B0604020202020204" pitchFamily="34" charset="0"/>
                 <a:cs typeface="Arial" panose="020B0604020202020204" pitchFamily="34" charset="0"/>
               </a:rPr>
@@ -8318,13 +7973,6 @@
   <p:clrMapOvr>
     <a:masterClrMapping/>
   </p:clrMapOvr>
-  <p:timing>
-    <p:tnLst>
-      <p:par>
-        <p:cTn id="1" dur="indefinite" restart="never" nodeType="tmRoot"/>
-      </p:par>
-    </p:tnLst>
-  </p:timing>
 </p:sld>
 </file>
 
@@ -8413,20 +8061,20 @@
           </a:lstStyle>
           <a:p>
             <a:r>
-              <a:rPr lang="en-US" altLang="ko-KR" b="1" dirty="0" smtClean="0">
+              <a:rPr lang="en-US" altLang="ko-KR" b="1" dirty="0">
                 <a:latin typeface="Arial" panose="020B0604020202020204" pitchFamily="34" charset="0"/>
                 <a:cs typeface="Arial" panose="020B0604020202020204" pitchFamily="34" charset="0"/>
               </a:rPr>
               <a:t>4. Gene ontology analysis</a:t>
             </a:r>
             <a:br>
-              <a:rPr lang="en-US" altLang="ko-KR" b="1" dirty="0" smtClean="0">
+              <a:rPr lang="en-US" altLang="ko-KR" b="1" dirty="0">
                 <a:latin typeface="Arial" panose="020B0604020202020204" pitchFamily="34" charset="0"/>
                 <a:cs typeface="Arial" panose="020B0604020202020204" pitchFamily="34" charset="0"/>
               </a:rPr>
             </a:br>
             <a:r>
-              <a:rPr lang="en-US" altLang="ko-KR" sz="2800" b="1" dirty="0" smtClean="0">
+              <a:rPr lang="en-US" altLang="ko-KR" sz="2800" b="1" dirty="0">
                 <a:latin typeface="Arial" panose="020B0604020202020204" pitchFamily="34" charset="0"/>
                 <a:cs typeface="Arial" panose="020B0604020202020204" pitchFamily="34" charset="0"/>
               </a:rPr>
@@ -8535,13 +8183,6 @@
   <p:clrMapOvr>
     <a:masterClrMapping/>
   </p:clrMapOvr>
-  <p:timing>
-    <p:tnLst>
-      <p:par>
-        <p:cTn id="1" dur="indefinite" restart="never" nodeType="tmRoot"/>
-      </p:par>
-    </p:tnLst>
-  </p:timing>
 </p:sld>
 </file>
 
@@ -8608,48 +8249,20 @@
                 <a:latin typeface="Arial" panose="020B0604020202020204" pitchFamily="34" charset="0"/>
                 <a:cs typeface="Arial" panose="020B0604020202020204" pitchFamily="34" charset="0"/>
               </a:rPr>
-              <a:t>4</a:t>
-            </a:r>
-            <a:r>
-              <a:rPr lang="en-US" altLang="ko-KR" b="1" dirty="0" smtClean="0">
-                <a:latin typeface="Arial" panose="020B0604020202020204" pitchFamily="34" charset="0"/>
-                <a:cs typeface="Arial" panose="020B0604020202020204" pitchFamily="34" charset="0"/>
-              </a:rPr>
-              <a:t>. </a:t>
-            </a:r>
-            <a:r>
+              <a:t>4. Gene ontology analysis</a:t>
+            </a:r>
+            <a:br>
               <a:rPr lang="en-US" altLang="ko-KR" b="1" dirty="0">
                 <a:latin typeface="Arial" panose="020B0604020202020204" pitchFamily="34" charset="0"/>
                 <a:cs typeface="Arial" panose="020B0604020202020204" pitchFamily="34" charset="0"/>
               </a:rPr>
-              <a:t>Gene ontology </a:t>
-            </a:r>
-            <a:r>
-              <a:rPr lang="en-US" altLang="ko-KR" b="1" dirty="0" smtClean="0">
-                <a:latin typeface="Arial" panose="020B0604020202020204" pitchFamily="34" charset="0"/>
-                <a:cs typeface="Arial" panose="020B0604020202020204" pitchFamily="34" charset="0"/>
-              </a:rPr>
-              <a:t>analysis</a:t>
-            </a:r>
-            <a:br>
-              <a:rPr lang="en-US" altLang="ko-KR" b="1" dirty="0" smtClean="0">
-                <a:latin typeface="Arial" panose="020B0604020202020204" pitchFamily="34" charset="0"/>
-                <a:cs typeface="Arial" panose="020B0604020202020204" pitchFamily="34" charset="0"/>
-              </a:rPr>
             </a:br>
             <a:r>
-              <a:rPr lang="en-US" altLang="ko-KR" sz="2700" b="1" dirty="0" smtClean="0">
+              <a:rPr lang="en-US" altLang="ko-KR" sz="2700" b="1" dirty="0">
                 <a:latin typeface="Arial" panose="020B0604020202020204" pitchFamily="34" charset="0"/>
                 <a:cs typeface="Arial" panose="020B0604020202020204" pitchFamily="34" charset="0"/>
               </a:rPr>
               <a:t>preview</a:t>
-            </a:r>
-            <a:r>
-              <a:rPr lang="en-US" altLang="ko-KR" b="1" dirty="0">
-                <a:latin typeface="Arial" panose="020B0604020202020204" pitchFamily="34" charset="0"/>
-                <a:cs typeface="Arial" panose="020B0604020202020204" pitchFamily="34" charset="0"/>
-              </a:rPr>
-              <a:t/>
             </a:r>
             <a:br>
               <a:rPr lang="en-US" altLang="ko-KR" b="1" dirty="0">
@@ -8693,72 +8306,68 @@
           </a:p>
           <a:p>
             <a:r>
-              <a:rPr lang="ko-KR" altLang="en-US" sz="2400" dirty="0" smtClean="0">
+              <a:rPr lang="ko-KR" altLang="en-US" sz="2400" dirty="0">
                 <a:latin typeface="Arial" panose="020B0604020202020204" pitchFamily="34" charset="0"/>
                 <a:cs typeface="Arial" panose="020B0604020202020204" pitchFamily="34" charset="0"/>
               </a:rPr>
               <a:t>본 실습에서는 </a:t>
             </a:r>
             <a:r>
-              <a:rPr lang="en-US" altLang="ko-KR" sz="2400" b="1" dirty="0" smtClean="0">
+              <a:rPr lang="en-US" altLang="ko-KR" sz="2400" b="1" dirty="0">
                 <a:latin typeface="Arial" panose="020B0604020202020204" pitchFamily="34" charset="0"/>
                 <a:cs typeface="Arial" panose="020B0604020202020204" pitchFamily="34" charset="0"/>
               </a:rPr>
               <a:t>Gene Ontology(GO)</a:t>
             </a:r>
             <a:r>
-              <a:rPr lang="ko-KR" altLang="en-US" sz="2400" dirty="0" smtClean="0">
+              <a:rPr lang="ko-KR" altLang="en-US" sz="2400" dirty="0">
                 <a:latin typeface="Arial" panose="020B0604020202020204" pitchFamily="34" charset="0"/>
                 <a:cs typeface="Arial" panose="020B0604020202020204" pitchFamily="34" charset="0"/>
               </a:rPr>
               <a:t>에 대한 개념 설명과 </a:t>
             </a:r>
             <a:r>
-              <a:rPr lang="en-US" altLang="ko-KR" sz="2400" b="1" dirty="0" smtClean="0">
+              <a:rPr lang="en-US" altLang="ko-KR" sz="2400" b="1" dirty="0">
                 <a:latin typeface="Arial" panose="020B0604020202020204" pitchFamily="34" charset="0"/>
                 <a:cs typeface="Arial" panose="020B0604020202020204" pitchFamily="34" charset="0"/>
               </a:rPr>
               <a:t>DAVID</a:t>
             </a:r>
             <a:r>
-              <a:rPr lang="en-US" altLang="ko-KR" sz="2400" dirty="0" smtClean="0">
+              <a:rPr lang="en-US" altLang="ko-KR" sz="2400" dirty="0">
                 <a:latin typeface="Arial" panose="020B0604020202020204" pitchFamily="34" charset="0"/>
                 <a:cs typeface="Arial" panose="020B0604020202020204" pitchFamily="34" charset="0"/>
               </a:rPr>
               <a:t> </a:t>
             </a:r>
             <a:r>
-              <a:rPr lang="ko-KR" altLang="en-US" sz="2400" dirty="0" smtClean="0">
+              <a:rPr lang="ko-KR" altLang="en-US" sz="2400" dirty="0">
                 <a:latin typeface="Arial" panose="020B0604020202020204" pitchFamily="34" charset="0"/>
                 <a:cs typeface="Arial" panose="020B0604020202020204" pitchFamily="34" charset="0"/>
               </a:rPr>
               <a:t>라는 </a:t>
             </a:r>
             <a:r>
-              <a:rPr lang="en-US" altLang="ko-KR" sz="2400" dirty="0" smtClean="0">
+              <a:rPr lang="en-US" altLang="ko-KR" sz="2400" dirty="0">
                 <a:latin typeface="Arial" panose="020B0604020202020204" pitchFamily="34" charset="0"/>
                 <a:cs typeface="Arial" panose="020B0604020202020204" pitchFamily="34" charset="0"/>
               </a:rPr>
               <a:t>GO </a:t>
             </a:r>
             <a:r>
-              <a:rPr lang="ko-KR" altLang="en-US" sz="2400" dirty="0" smtClean="0">
+              <a:rPr lang="ko-KR" altLang="en-US" sz="2400" dirty="0">
                 <a:latin typeface="Arial" panose="020B0604020202020204" pitchFamily="34" charset="0"/>
                 <a:cs typeface="Arial" panose="020B0604020202020204" pitchFamily="34" charset="0"/>
               </a:rPr>
               <a:t>분석 툴 사용법을 소개하겠습니다</a:t>
             </a:r>
             <a:r>
-              <a:rPr lang="en-US" altLang="ko-KR" sz="2400" dirty="0" smtClean="0">
+              <a:rPr lang="en-US" altLang="ko-KR" sz="2400" dirty="0">
                 <a:latin typeface="Arial" panose="020B0604020202020204" pitchFamily="34" charset="0"/>
                 <a:cs typeface="Arial" panose="020B0604020202020204" pitchFamily="34" charset="0"/>
               </a:rPr>
               <a:t>.</a:t>
             </a:r>
-            <a:endParaRPr lang="en-US" altLang="ko-KR" sz="2400" dirty="0">
-              <a:latin typeface="Arial" panose="020B0604020202020204" pitchFamily="34" charset="0"/>
-              <a:cs typeface="Arial" panose="020B0604020202020204" pitchFamily="34" charset="0"/>
-            </a:endParaRPr>
           </a:p>
         </p:txBody>
       </p:sp>
@@ -8767,7 +8376,7 @@
           <p:cNvPr id="5" name="그림 4">
             <a:extLst>
               <a:ext uri="{FF2B5EF4-FFF2-40B4-BE49-F238E27FC236}">
-                <a16:creationId xmlns="" xmlns:a16="http://schemas.microsoft.com/office/drawing/2014/main" id="{16AF20EE-763F-E945-AEB9-D7718CB07FA1}"/>
+                <a16:creationId xmlns:a16="http://schemas.microsoft.com/office/drawing/2014/main" id="{16AF20EE-763F-E945-AEB9-D7718CB07FA1}"/>
               </a:ext>
             </a:extLst>
           </p:cNvPr>
@@ -9001,7 +8610,7 @@
           <a:lstStyle/>
           <a:p>
             <a:r>
-              <a:rPr lang="en-US" altLang="ko-KR" dirty="0" smtClean="0"/>
+              <a:rPr lang="en-US" altLang="ko-KR" dirty="0"/>
               <a:t>Enrichment map</a:t>
             </a:r>
             <a:endParaRPr lang="ko-KR" altLang="en-US" dirty="0"/>
@@ -9018,13 +8627,6 @@
   <p:clrMapOvr>
     <a:masterClrMapping/>
   </p:clrMapOvr>
-  <p:timing>
-    <p:tnLst>
-      <p:par>
-        <p:cTn id="1" dur="indefinite" restart="never" nodeType="tmRoot"/>
-      </p:par>
-    </p:tnLst>
-  </p:timing>
 </p:sld>
 </file>
 
@@ -9065,21 +8667,7 @@
                 <a:latin typeface="Arial" panose="020B0604020202020204" pitchFamily="34" charset="0"/>
                 <a:cs typeface="Arial" panose="020B0604020202020204" pitchFamily="34" charset="0"/>
               </a:rPr>
-              <a:t>4</a:t>
-            </a:r>
-            <a:r>
-              <a:rPr lang="en-US" altLang="ko-KR" b="1" dirty="0" smtClean="0">
-                <a:latin typeface="Arial" panose="020B0604020202020204" pitchFamily="34" charset="0"/>
-                <a:cs typeface="Arial" panose="020B0604020202020204" pitchFamily="34" charset="0"/>
-              </a:rPr>
-              <a:t>. </a:t>
-            </a:r>
-            <a:r>
-              <a:rPr lang="en-US" altLang="ko-KR" b="1" dirty="0">
-                <a:latin typeface="Arial" panose="020B0604020202020204" pitchFamily="34" charset="0"/>
-                <a:cs typeface="Arial" panose="020B0604020202020204" pitchFamily="34" charset="0"/>
-              </a:rPr>
-              <a:t>Gene ontology analysis</a:t>
+              <a:t>4. Gene ontology analysis</a:t>
             </a:r>
             <a:br>
               <a:rPr lang="en-US" altLang="ko-KR" b="1" dirty="0">
@@ -9088,7 +8676,7 @@
               </a:rPr>
             </a:br>
             <a:r>
-              <a:rPr lang="en-US" altLang="ko-KR" sz="2800" b="1" dirty="0" smtClean="0">
+              <a:rPr lang="en-US" altLang="ko-KR" sz="2800" b="1" dirty="0">
                 <a:latin typeface="Arial" panose="020B0604020202020204" pitchFamily="34" charset="0"/>
                 <a:cs typeface="Arial" panose="020B0604020202020204" pitchFamily="34" charset="0"/>
               </a:rPr>
@@ -9188,7 +8776,7 @@
           <a:lstStyle/>
           <a:p>
             <a:r>
-              <a:rPr lang="en-US" altLang="ko-KR" sz="2800" b="1" dirty="0" smtClean="0">
+              <a:rPr lang="en-US" altLang="ko-KR" sz="2800" b="1" dirty="0">
                 <a:latin typeface="Arial" panose="020B0604020202020204" pitchFamily="34" charset="0"/>
                 <a:cs typeface="Arial" panose="020B0604020202020204" pitchFamily="34" charset="0"/>
               </a:rPr>
@@ -9249,13 +8837,6 @@
   <p:clrMapOvr>
     <a:masterClrMapping/>
   </p:clrMapOvr>
-  <p:timing>
-    <p:tnLst>
-      <p:par>
-        <p:cTn id="1" dur="indefinite" restart="never" nodeType="tmRoot"/>
-      </p:par>
-    </p:tnLst>
-  </p:timing>
 </p:sld>
 </file>
 
@@ -9371,21 +8952,7 @@
                 <a:latin typeface="Arial" panose="020B0604020202020204" pitchFamily="34" charset="0"/>
                 <a:cs typeface="Arial" panose="020B0604020202020204" pitchFamily="34" charset="0"/>
               </a:rPr>
-              <a:t>4</a:t>
-            </a:r>
-            <a:r>
-              <a:rPr lang="en-US" altLang="ko-KR" b="1" dirty="0" smtClean="0">
-                <a:latin typeface="Arial" panose="020B0604020202020204" pitchFamily="34" charset="0"/>
-                <a:cs typeface="Arial" panose="020B0604020202020204" pitchFamily="34" charset="0"/>
-              </a:rPr>
-              <a:t>. </a:t>
-            </a:r>
-            <a:r>
-              <a:rPr lang="en-US" altLang="ko-KR" b="1" dirty="0">
-                <a:latin typeface="Arial" panose="020B0604020202020204" pitchFamily="34" charset="0"/>
-                <a:cs typeface="Arial" panose="020B0604020202020204" pitchFamily="34" charset="0"/>
-              </a:rPr>
-              <a:t>Gene ontology analysis</a:t>
+              <a:t>4. Gene ontology analysis</a:t>
             </a:r>
             <a:br>
               <a:rPr lang="en-US" altLang="ko-KR" b="1" dirty="0">
@@ -9394,7 +8961,7 @@
               </a:rPr>
             </a:br>
             <a:r>
-              <a:rPr lang="en-US" altLang="ko-KR" sz="2800" b="1" dirty="0" smtClean="0">
+              <a:rPr lang="en-US" altLang="ko-KR" sz="2800" b="1" dirty="0">
                 <a:latin typeface="Arial" panose="020B0604020202020204" pitchFamily="34" charset="0"/>
                 <a:cs typeface="Arial" panose="020B0604020202020204" pitchFamily="34" charset="0"/>
               </a:rPr>
@@ -9499,37 +9066,36 @@
           <a:lstStyle/>
           <a:p>
             <a:r>
-              <a:rPr lang="en-US" altLang="ko-KR" dirty="0" err="1" smtClean="0"/>
+              <a:rPr lang="en-US" altLang="ko-KR" dirty="0" err="1"/>
               <a:t>GCTfh</a:t>
             </a:r>
             <a:r>
-              <a:rPr lang="en-US" altLang="ko-KR" dirty="0" smtClean="0"/>
+              <a:rPr lang="en-US" altLang="ko-KR" dirty="0"/>
               <a:t>-like cell</a:t>
             </a:r>
             <a:r>
-              <a:rPr lang="ko-KR" altLang="en-US" dirty="0" smtClean="0"/>
+              <a:rPr lang="ko-KR" altLang="en-US" dirty="0"/>
               <a:t>에서 </a:t>
             </a:r>
             <a:r>
-              <a:rPr lang="en-US" altLang="ko-KR" dirty="0" smtClean="0"/>
+              <a:rPr lang="en-US" altLang="ko-KR" dirty="0"/>
               <a:t>upregulation </a:t>
             </a:r>
             <a:r>
-              <a:rPr lang="ko-KR" altLang="en-US" dirty="0" smtClean="0"/>
+              <a:rPr lang="ko-KR" altLang="en-US" dirty="0"/>
               <a:t>유전자</a:t>
             </a:r>
-            <a:endParaRPr lang="en-US" altLang="ko-KR" dirty="0" smtClean="0"/>
-          </a:p>
-          <a:p>
-            <a:r>
-              <a:rPr lang="en-US" altLang="ko-KR" dirty="0" smtClean="0"/>
+            <a:endParaRPr lang="en-US" altLang="ko-KR" dirty="0"/>
+          </a:p>
+          <a:p>
+            <a:r>
+              <a:rPr lang="en-US" altLang="ko-KR" dirty="0"/>
               <a:t>DAVID </a:t>
             </a:r>
             <a:r>
-              <a:rPr lang="ko-KR" altLang="en-US" dirty="0" smtClean="0"/>
+              <a:rPr lang="ko-KR" altLang="en-US" dirty="0"/>
               <a:t>결과</a:t>
             </a:r>
-            <a:endParaRPr lang="ko-KR" altLang="en-US" dirty="0"/>
           </a:p>
         </p:txBody>
       </p:sp>
@@ -9543,13 +9109,6 @@
   <p:clrMapOvr>
     <a:masterClrMapping/>
   </p:clrMapOvr>
-  <p:timing>
-    <p:tnLst>
-      <p:par>
-        <p:cTn id="1" dur="indefinite" restart="never" nodeType="tmRoot"/>
-      </p:par>
-    </p:tnLst>
-  </p:timing>
 </p:sld>
 </file>
 
@@ -9590,21 +9149,7 @@
                 <a:latin typeface="Arial" panose="020B0604020202020204" pitchFamily="34" charset="0"/>
                 <a:cs typeface="Arial" panose="020B0604020202020204" pitchFamily="34" charset="0"/>
               </a:rPr>
-              <a:t>4</a:t>
-            </a:r>
-            <a:r>
-              <a:rPr lang="en-US" altLang="ko-KR" b="1" dirty="0" smtClean="0">
-                <a:latin typeface="Arial" panose="020B0604020202020204" pitchFamily="34" charset="0"/>
-                <a:cs typeface="Arial" panose="020B0604020202020204" pitchFamily="34" charset="0"/>
-              </a:rPr>
-              <a:t>. </a:t>
-            </a:r>
-            <a:r>
-              <a:rPr lang="en-US" altLang="ko-KR" b="1" dirty="0">
-                <a:latin typeface="Arial" panose="020B0604020202020204" pitchFamily="34" charset="0"/>
-                <a:cs typeface="Arial" panose="020B0604020202020204" pitchFamily="34" charset="0"/>
-              </a:rPr>
-              <a:t>Gene ontology analysis</a:t>
+              <a:t>4. Gene ontology analysis</a:t>
             </a:r>
             <a:br>
               <a:rPr lang="en-US" altLang="ko-KR" b="1" dirty="0">
@@ -9727,18 +9272,11 @@
               <a:buAutoNum type="arabicParenR"/>
             </a:pPr>
             <a:r>
-              <a:rPr lang="en-US" altLang="ko-KR" sz="2000" b="1" dirty="0" smtClean="0">
-                <a:latin typeface="Arial" panose="020B0604020202020204" pitchFamily="34" charset="0"/>
-                <a:cs typeface="Arial" panose="020B0604020202020204" pitchFamily="34" charset="0"/>
-              </a:rPr>
-              <a:t>Cellular </a:t>
-            </a:r>
-            <a:r>
               <a:rPr lang="en-US" altLang="ko-KR" sz="2000" b="1" dirty="0">
                 <a:latin typeface="Arial" panose="020B0604020202020204" pitchFamily="34" charset="0"/>
                 <a:cs typeface="Arial" panose="020B0604020202020204" pitchFamily="34" charset="0"/>
               </a:rPr>
-              <a:t>component(</a:t>
+              <a:t>Cellular component(</a:t>
             </a:r>
             <a:r>
               <a:rPr lang="ko-KR" altLang="en-US" sz="2000" b="1" dirty="0">
@@ -9846,21 +9384,7 @@
                 <a:latin typeface="Arial" panose="020B0604020202020204" pitchFamily="34" charset="0"/>
                 <a:cs typeface="Arial" panose="020B0604020202020204" pitchFamily="34" charset="0"/>
               </a:rPr>
-              <a:t>B</a:t>
-            </a:r>
-            <a:r>
-              <a:rPr lang="en-US" altLang="ko-KR" sz="2000" b="1" dirty="0" smtClean="0">
-                <a:latin typeface="Arial" panose="020B0604020202020204" pitchFamily="34" charset="0"/>
-                <a:cs typeface="Arial" panose="020B0604020202020204" pitchFamily="34" charset="0"/>
-              </a:rPr>
-              <a:t>iological </a:t>
-            </a:r>
-            <a:r>
-              <a:rPr lang="en-US" altLang="ko-KR" sz="2000" b="1" dirty="0">
-                <a:latin typeface="Arial" panose="020B0604020202020204" pitchFamily="34" charset="0"/>
-                <a:cs typeface="Arial" panose="020B0604020202020204" pitchFamily="34" charset="0"/>
-              </a:rPr>
-              <a:t>process(</a:t>
+              <a:t>Biological process(</a:t>
             </a:r>
             <a:r>
               <a:rPr lang="ko-KR" altLang="en-US" sz="2000" b="1" dirty="0">
@@ -9909,7 +9433,7 @@
           <p:cNvPr id="9" name="TextBox 8">
             <a:extLst>
               <a:ext uri="{FF2B5EF4-FFF2-40B4-BE49-F238E27FC236}">
-                <a16:creationId xmlns:a16="http://schemas.microsoft.com/office/drawing/2014/main" xmlns="" id="{FF2A3478-961F-42C5-B078-29EEC751970C}"/>
+                <a16:creationId xmlns:a16="http://schemas.microsoft.com/office/drawing/2014/main" id="{FF2A3478-961F-42C5-B078-29EEC751970C}"/>
               </a:ext>
             </a:extLst>
           </p:cNvPr>
@@ -9963,13 +9487,6 @@
   <p:clrMapOvr>
     <a:masterClrMapping/>
   </p:clrMapOvr>
-  <p:timing>
-    <p:tnLst>
-      <p:par>
-        <p:cTn id="1" dur="indefinite" restart="never" nodeType="tmRoot"/>
-      </p:par>
-    </p:tnLst>
-  </p:timing>
 </p:sld>
 </file>
 
@@ -10080,7 +9597,7 @@
           <p:cNvPr id="4" name="그림 3">
             <a:extLst>
               <a:ext uri="{FF2B5EF4-FFF2-40B4-BE49-F238E27FC236}">
-                <a16:creationId xmlns:a16="http://schemas.microsoft.com/office/drawing/2014/main" xmlns="" id="{D2346429-EAD9-4DE6-83BB-9B14DAF37037}"/>
+                <a16:creationId xmlns:a16="http://schemas.microsoft.com/office/drawing/2014/main" id="{D2346429-EAD9-4DE6-83BB-9B14DAF37037}"/>
               </a:ext>
             </a:extLst>
           </p:cNvPr>
@@ -10110,7 +9627,7 @@
           <p:cNvPr id="10" name="그림 9">
             <a:extLst>
               <a:ext uri="{FF2B5EF4-FFF2-40B4-BE49-F238E27FC236}">
-                <a16:creationId xmlns:a16="http://schemas.microsoft.com/office/drawing/2014/main" xmlns="" id="{218B18A8-6935-4381-91BD-84A461D84086}"/>
+                <a16:creationId xmlns:a16="http://schemas.microsoft.com/office/drawing/2014/main" id="{218B18A8-6935-4381-91BD-84A461D84086}"/>
               </a:ext>
             </a:extLst>
           </p:cNvPr>
@@ -10140,7 +9657,7 @@
           <p:cNvPr id="3" name="TextBox 2">
             <a:extLst>
               <a:ext uri="{FF2B5EF4-FFF2-40B4-BE49-F238E27FC236}">
-                <a16:creationId xmlns:a16="http://schemas.microsoft.com/office/drawing/2014/main" xmlns="" id="{9458F7DB-12E5-4A84-803F-25987CF56135}"/>
+                <a16:creationId xmlns:a16="http://schemas.microsoft.com/office/drawing/2014/main" id="{9458F7DB-12E5-4A84-803F-25987CF56135}"/>
               </a:ext>
             </a:extLst>
           </p:cNvPr>
@@ -10242,7 +9759,7 @@
           <p:cNvPr id="7" name="TextBox 6">
             <a:extLst>
               <a:ext uri="{FF2B5EF4-FFF2-40B4-BE49-F238E27FC236}">
-                <a16:creationId xmlns:a16="http://schemas.microsoft.com/office/drawing/2014/main" xmlns="" id="{991EBBDD-5DDB-4BE4-8D75-367FF4601D20}"/>
+                <a16:creationId xmlns:a16="http://schemas.microsoft.com/office/drawing/2014/main" id="{991EBBDD-5DDB-4BE4-8D75-367FF4601D20}"/>
               </a:ext>
             </a:extLst>
           </p:cNvPr>
@@ -10283,7 +9800,7 @@
           <p:cNvPr id="11" name="TextBox 10">
             <a:extLst>
               <a:ext uri="{FF2B5EF4-FFF2-40B4-BE49-F238E27FC236}">
-                <a16:creationId xmlns:a16="http://schemas.microsoft.com/office/drawing/2014/main" xmlns="" id="{3647BE2A-4648-4B89-84C6-1E2EB16E276B}"/>
+                <a16:creationId xmlns:a16="http://schemas.microsoft.com/office/drawing/2014/main" id="{3647BE2A-4648-4B89-84C6-1E2EB16E276B}"/>
               </a:ext>
             </a:extLst>
           </p:cNvPr>
@@ -10329,13 +9846,6 @@
   <p:clrMapOvr>
     <a:masterClrMapping/>
   </p:clrMapOvr>
-  <p:timing>
-    <p:tnLst>
-      <p:par>
-        <p:cTn id="1" dur="indefinite" restart="never" nodeType="tmRoot"/>
-      </p:par>
-    </p:tnLst>
-  </p:timing>
 </p:sld>
 </file>
 
@@ -10376,20 +9886,7 @@
                 <a:latin typeface="Arial" panose="020B0604020202020204" pitchFamily="34" charset="0"/>
                 <a:cs typeface="Arial" panose="020B0604020202020204" pitchFamily="34" charset="0"/>
               </a:rPr>
-              <a:t>4. Gene ontology analysis</a:t>
-            </a:r>
-            <a:br>
-              <a:rPr lang="en-US" altLang="ko-KR" b="1" dirty="0">
-                <a:latin typeface="Arial" panose="020B0604020202020204" pitchFamily="34" charset="0"/>
-                <a:cs typeface="Arial" panose="020B0604020202020204" pitchFamily="34" charset="0"/>
-              </a:rPr>
-            </a:br>
-            <a:r>
-              <a:rPr lang="en-US" altLang="ko-KR" sz="2400" b="1" dirty="0">
-                <a:latin typeface="Arial" panose="020B0604020202020204" pitchFamily="34" charset="0"/>
-                <a:cs typeface="Arial" panose="020B0604020202020204" pitchFamily="34" charset="0"/>
-              </a:rPr>
-              <a:t>GO Term</a:t>
+              <a:t>GO term</a:t>
             </a:r>
             <a:endParaRPr lang="ko-KR" altLang="en-US" dirty="0">
               <a:latin typeface="Arial" panose="020B0604020202020204" pitchFamily="34" charset="0"/>
@@ -10439,7 +9936,7 @@
           <p:cNvPr id="3" name="TextBox 2">
             <a:extLst>
               <a:ext uri="{FF2B5EF4-FFF2-40B4-BE49-F238E27FC236}">
-                <a16:creationId xmlns:a16="http://schemas.microsoft.com/office/drawing/2014/main" xmlns="" id="{9458F7DB-12E5-4A84-803F-25987CF56135}"/>
+                <a16:creationId xmlns:a16="http://schemas.microsoft.com/office/drawing/2014/main" id="{9458F7DB-12E5-4A84-803F-25987CF56135}"/>
               </a:ext>
             </a:extLst>
           </p:cNvPr>
@@ -10503,7 +10000,7 @@
           <p:cNvPr id="6" name="그림 5">
             <a:extLst>
               <a:ext uri="{FF2B5EF4-FFF2-40B4-BE49-F238E27FC236}">
-                <a16:creationId xmlns:a16="http://schemas.microsoft.com/office/drawing/2014/main" xmlns="" id="{738D2D40-AF32-4F8D-83E1-7C7673D2EED5}"/>
+                <a16:creationId xmlns:a16="http://schemas.microsoft.com/office/drawing/2014/main" id="{738D2D40-AF32-4F8D-83E1-7C7673D2EED5}"/>
               </a:ext>
             </a:extLst>
           </p:cNvPr>
@@ -10533,7 +10030,7 @@
           <p:cNvPr id="7" name="그림 6">
             <a:extLst>
               <a:ext uri="{FF2B5EF4-FFF2-40B4-BE49-F238E27FC236}">
-                <a16:creationId xmlns:a16="http://schemas.microsoft.com/office/drawing/2014/main" xmlns="" id="{47A65A47-92DB-4A59-8730-67D4B286777C}"/>
+                <a16:creationId xmlns:a16="http://schemas.microsoft.com/office/drawing/2014/main" id="{47A65A47-92DB-4A59-8730-67D4B286777C}"/>
               </a:ext>
             </a:extLst>
           </p:cNvPr>
@@ -10568,13 +10065,6 @@
   <p:clrMapOvr>
     <a:masterClrMapping/>
   </p:clrMapOvr>
-  <p:timing>
-    <p:tnLst>
-      <p:par>
-        <p:cTn id="1" dur="indefinite" restart="never" nodeType="tmRoot"/>
-      </p:par>
-    </p:tnLst>
-  </p:timing>
 </p:sld>
 </file>
 
@@ -10615,20 +10105,7 @@
                 <a:latin typeface="Arial" panose="020B0604020202020204" pitchFamily="34" charset="0"/>
                 <a:cs typeface="Arial" panose="020B0604020202020204" pitchFamily="34" charset="0"/>
               </a:rPr>
-              <a:t>4. Gene ontology analysis</a:t>
-            </a:r>
-            <a:br>
-              <a:rPr lang="en-US" altLang="ko-KR" b="1" dirty="0">
-                <a:latin typeface="Arial" panose="020B0604020202020204" pitchFamily="34" charset="0"/>
-                <a:cs typeface="Arial" panose="020B0604020202020204" pitchFamily="34" charset="0"/>
-              </a:rPr>
-            </a:br>
-            <a:r>
-              <a:rPr lang="en-US" altLang="ko-KR" sz="2400" b="1" dirty="0">
-                <a:latin typeface="Arial" panose="020B0604020202020204" pitchFamily="34" charset="0"/>
-                <a:cs typeface="Arial" panose="020B0604020202020204" pitchFamily="34" charset="0"/>
-              </a:rPr>
-              <a:t>GO Term</a:t>
+              <a:t>GO term</a:t>
             </a:r>
             <a:endParaRPr lang="ko-KR" altLang="en-US" dirty="0">
               <a:latin typeface="Arial" panose="020B0604020202020204" pitchFamily="34" charset="0"/>
@@ -10678,7 +10155,7 @@
           <p:cNvPr id="3" name="TextBox 2">
             <a:extLst>
               <a:ext uri="{FF2B5EF4-FFF2-40B4-BE49-F238E27FC236}">
-                <a16:creationId xmlns:a16="http://schemas.microsoft.com/office/drawing/2014/main" xmlns="" id="{9458F7DB-12E5-4A84-803F-25987CF56135}"/>
+                <a16:creationId xmlns:a16="http://schemas.microsoft.com/office/drawing/2014/main" id="{9458F7DB-12E5-4A84-803F-25987CF56135}"/>
               </a:ext>
             </a:extLst>
           </p:cNvPr>
@@ -10742,7 +10219,7 @@
           <p:cNvPr id="5" name="그림 4">
             <a:extLst>
               <a:ext uri="{FF2B5EF4-FFF2-40B4-BE49-F238E27FC236}">
-                <a16:creationId xmlns:a16="http://schemas.microsoft.com/office/drawing/2014/main" xmlns="" id="{A2CDCF7B-5527-42A5-AAEF-F30A0B8F86C3}"/>
+                <a16:creationId xmlns:a16="http://schemas.microsoft.com/office/drawing/2014/main" id="{A2CDCF7B-5527-42A5-AAEF-F30A0B8F86C3}"/>
               </a:ext>
             </a:extLst>
           </p:cNvPr>
@@ -10772,7 +10249,7 @@
           <p:cNvPr id="14" name="그림 13">
             <a:extLst>
               <a:ext uri="{FF2B5EF4-FFF2-40B4-BE49-F238E27FC236}">
-                <a16:creationId xmlns:a16="http://schemas.microsoft.com/office/drawing/2014/main" xmlns="" id="{3DA45623-088C-4BD3-AAEC-1DADBF3D6A8F}"/>
+                <a16:creationId xmlns:a16="http://schemas.microsoft.com/office/drawing/2014/main" id="{3DA45623-088C-4BD3-AAEC-1DADBF3D6A8F}"/>
               </a:ext>
             </a:extLst>
           </p:cNvPr>
@@ -10807,13 +10284,6 @@
   <p:clrMapOvr>
     <a:masterClrMapping/>
   </p:clrMapOvr>
-  <p:timing>
-    <p:tnLst>
-      <p:par>
-        <p:cTn id="1" dur="indefinite" restart="never" nodeType="tmRoot"/>
-      </p:par>
-    </p:tnLst>
-  </p:timing>
 </p:sld>
 </file>
 
@@ -10854,21 +10324,7 @@
                 <a:latin typeface="Arial" panose="020B0604020202020204" pitchFamily="34" charset="0"/>
                 <a:cs typeface="Arial" panose="020B0604020202020204" pitchFamily="34" charset="0"/>
               </a:rPr>
-              <a:t>4</a:t>
-            </a:r>
-            <a:r>
-              <a:rPr lang="en-US" altLang="ko-KR" b="1" dirty="0" smtClean="0">
-                <a:latin typeface="Arial" panose="020B0604020202020204" pitchFamily="34" charset="0"/>
-                <a:cs typeface="Arial" panose="020B0604020202020204" pitchFamily="34" charset="0"/>
-              </a:rPr>
-              <a:t>. </a:t>
-            </a:r>
-            <a:r>
-              <a:rPr lang="en-US" altLang="ko-KR" b="1" dirty="0">
-                <a:latin typeface="Arial" panose="020B0604020202020204" pitchFamily="34" charset="0"/>
-                <a:cs typeface="Arial" panose="020B0604020202020204" pitchFamily="34" charset="0"/>
-              </a:rPr>
-              <a:t>Gene ontology analysis</a:t>
+              <a:t>4. Gene ontology analysis</a:t>
             </a:r>
             <a:br>
               <a:rPr lang="en-US" altLang="ko-KR" b="1" dirty="0">
@@ -10881,14 +10337,7 @@
                 <a:latin typeface="Arial" panose="020B0604020202020204" pitchFamily="34" charset="0"/>
                 <a:cs typeface="Arial" panose="020B0604020202020204" pitchFamily="34" charset="0"/>
               </a:rPr>
-              <a:t>GO </a:t>
-            </a:r>
-            <a:r>
-              <a:rPr lang="en-US" altLang="ko-KR" sz="2400" b="1" dirty="0" smtClean="0">
-                <a:latin typeface="Arial" panose="020B0604020202020204" pitchFamily="34" charset="0"/>
-                <a:cs typeface="Arial" panose="020B0604020202020204" pitchFamily="34" charset="0"/>
-              </a:rPr>
-              <a:t>Analysis</a:t>
+              <a:t>GO Analysis</a:t>
             </a:r>
             <a:endParaRPr lang="ko-KR" altLang="en-US" b="1" dirty="0">
               <a:latin typeface="cal"/>
@@ -10917,20 +10366,20 @@
           <a:lstStyle/>
           <a:p>
             <a:r>
-              <a:rPr lang="en-US" altLang="ko-KR" dirty="0" smtClean="0">
+              <a:rPr lang="en-US" altLang="ko-KR" dirty="0">
                 <a:latin typeface="Arial" panose="020B0604020202020204" pitchFamily="34" charset="0"/>
                 <a:cs typeface="Arial" panose="020B0604020202020204" pitchFamily="34" charset="0"/>
               </a:rPr>
               <a:t>GO </a:t>
             </a:r>
             <a:r>
-              <a:rPr lang="ko-KR" altLang="en-US" dirty="0" smtClean="0">
+              <a:rPr lang="ko-KR" altLang="en-US" dirty="0">
                 <a:latin typeface="Arial" panose="020B0604020202020204" pitchFamily="34" charset="0"/>
                 <a:cs typeface="Arial" panose="020B0604020202020204" pitchFamily="34" charset="0"/>
               </a:rPr>
               <a:t>분석이란</a:t>
             </a:r>
-            <a:endParaRPr lang="en-US" altLang="ko-KR" dirty="0" smtClean="0">
+            <a:endParaRPr lang="en-US" altLang="ko-KR" dirty="0">
               <a:latin typeface="Arial" panose="020B0604020202020204" pitchFamily="34" charset="0"/>
               <a:cs typeface="Arial" panose="020B0604020202020204" pitchFamily="34" charset="0"/>
             </a:endParaRPr>
@@ -10938,55 +10387,55 @@
           <a:p>
             <a:pPr lvl="1"/>
             <a:r>
-              <a:rPr lang="ko-KR" altLang="en-US" dirty="0" smtClean="0">
+              <a:rPr lang="ko-KR" altLang="en-US" dirty="0">
                 <a:latin typeface="Arial" panose="020B0604020202020204" pitchFamily="34" charset="0"/>
                 <a:cs typeface="Arial" panose="020B0604020202020204" pitchFamily="34" charset="0"/>
               </a:rPr>
               <a:t>유의미한 </a:t>
             </a:r>
             <a:r>
-              <a:rPr lang="en-US" altLang="ko-KR" dirty="0" smtClean="0">
+              <a:rPr lang="en-US" altLang="ko-KR" dirty="0">
                 <a:latin typeface="Arial" panose="020B0604020202020204" pitchFamily="34" charset="0"/>
                 <a:cs typeface="Arial" panose="020B0604020202020204" pitchFamily="34" charset="0"/>
               </a:rPr>
               <a:t>gene list</a:t>
             </a:r>
             <a:r>
-              <a:rPr lang="ko-KR" altLang="en-US" dirty="0" smtClean="0">
+              <a:rPr lang="ko-KR" altLang="en-US" dirty="0">
                 <a:latin typeface="Arial" panose="020B0604020202020204" pitchFamily="34" charset="0"/>
                 <a:cs typeface="Arial" panose="020B0604020202020204" pitchFamily="34" charset="0"/>
               </a:rPr>
               <a:t>에 대한 특정 </a:t>
             </a:r>
             <a:r>
-              <a:rPr lang="en-US" altLang="ko-KR" b="1" dirty="0" smtClean="0">
+              <a:rPr lang="en-US" altLang="ko-KR" b="1" dirty="0">
                 <a:latin typeface="Arial" panose="020B0604020202020204" pitchFamily="34" charset="0"/>
                 <a:cs typeface="Arial" panose="020B0604020202020204" pitchFamily="34" charset="0"/>
               </a:rPr>
               <a:t>GO term</a:t>
             </a:r>
             <a:r>
-              <a:rPr lang="ko-KR" altLang="en-US" dirty="0" smtClean="0">
+              <a:rPr lang="ko-KR" altLang="en-US" dirty="0">
                 <a:latin typeface="Arial" panose="020B0604020202020204" pitchFamily="34" charset="0"/>
                 <a:cs typeface="Arial" panose="020B0604020202020204" pitchFamily="34" charset="0"/>
               </a:rPr>
               <a:t>과의 </a:t>
             </a:r>
             <a:r>
-              <a:rPr lang="ko-KR" altLang="en-US" b="1" dirty="0" smtClean="0">
+              <a:rPr lang="ko-KR" altLang="en-US" b="1" dirty="0">
                 <a:latin typeface="Arial" panose="020B0604020202020204" pitchFamily="34" charset="0"/>
                 <a:cs typeface="Arial" panose="020B0604020202020204" pitchFamily="34" charset="0"/>
               </a:rPr>
               <a:t>연관성</a:t>
             </a:r>
             <a:r>
-              <a:rPr lang="ko-KR" altLang="en-US" dirty="0" smtClean="0">
+              <a:rPr lang="ko-KR" altLang="en-US" dirty="0">
                 <a:latin typeface="Arial" panose="020B0604020202020204" pitchFamily="34" charset="0"/>
                 <a:cs typeface="Arial" panose="020B0604020202020204" pitchFamily="34" charset="0"/>
               </a:rPr>
               <a:t>을 보는 것</a:t>
             </a:r>
-            <a:endParaRPr lang="en-US" altLang="ko-KR" dirty="0" smtClean="0">
+            <a:endParaRPr lang="en-US" altLang="ko-KR" dirty="0">
               <a:latin typeface="Arial" panose="020B0604020202020204" pitchFamily="34" charset="0"/>
               <a:cs typeface="Arial" panose="020B0604020202020204" pitchFamily="34" charset="0"/>
             </a:endParaRPr>
@@ -10994,47 +10443,47 @@
           <a:p>
             <a:pPr lvl="1"/>
             <a:r>
-              <a:rPr lang="en-US" altLang="ko-KR" b="1" dirty="0" smtClean="0">
+              <a:rPr lang="en-US" altLang="ko-KR" b="1" dirty="0">
                 <a:latin typeface="Arial" panose="020B0604020202020204" pitchFamily="34" charset="0"/>
                 <a:cs typeface="Arial" panose="020B0604020202020204" pitchFamily="34" charset="0"/>
               </a:rPr>
               <a:t>Fisher’s exact test</a:t>
             </a:r>
             <a:r>
-              <a:rPr lang="ko-KR" altLang="en-US" dirty="0" smtClean="0">
+              <a:rPr lang="ko-KR" altLang="en-US" dirty="0">
                 <a:latin typeface="Arial" panose="020B0604020202020204" pitchFamily="34" charset="0"/>
                 <a:cs typeface="Arial" panose="020B0604020202020204" pitchFamily="34" charset="0"/>
               </a:rPr>
               <a:t>를 통해 </a:t>
             </a:r>
             <a:r>
-              <a:rPr lang="en-US" altLang="ko-KR" b="1" dirty="0" smtClean="0">
+              <a:rPr lang="en-US" altLang="ko-KR" b="1" dirty="0">
                 <a:latin typeface="Arial" panose="020B0604020202020204" pitchFamily="34" charset="0"/>
                 <a:cs typeface="Arial" panose="020B0604020202020204" pitchFamily="34" charset="0"/>
               </a:rPr>
               <a:t>p-value</a:t>
             </a:r>
             <a:r>
-              <a:rPr lang="ko-KR" altLang="en-US" dirty="0" smtClean="0">
+              <a:rPr lang="ko-KR" altLang="en-US" dirty="0">
                 <a:latin typeface="Arial" panose="020B0604020202020204" pitchFamily="34" charset="0"/>
                 <a:cs typeface="Arial" panose="020B0604020202020204" pitchFamily="34" charset="0"/>
               </a:rPr>
               <a:t>를 구함</a:t>
             </a:r>
-            <a:endParaRPr lang="en-US" altLang="ko-KR" dirty="0" smtClean="0">
+            <a:endParaRPr lang="en-US" altLang="ko-KR" dirty="0">
               <a:latin typeface="Arial" panose="020B0604020202020204" pitchFamily="34" charset="0"/>
               <a:cs typeface="Arial" panose="020B0604020202020204" pitchFamily="34" charset="0"/>
             </a:endParaRPr>
           </a:p>
           <a:p>
-            <a:endParaRPr lang="en-US" altLang="ko-KR" dirty="0" smtClean="0">
+            <a:endParaRPr lang="en-US" altLang="ko-KR" dirty="0">
               <a:latin typeface="Arial" panose="020B0604020202020204" pitchFamily="34" charset="0"/>
               <a:cs typeface="Arial" panose="020B0604020202020204" pitchFamily="34" charset="0"/>
             </a:endParaRPr>
           </a:p>
           <a:p>
             <a:r>
-              <a:rPr lang="en-US" altLang="ko-KR" dirty="0" smtClean="0">
+              <a:rPr lang="en-US" altLang="ko-KR" dirty="0">
                 <a:latin typeface="Arial" panose="020B0604020202020204" pitchFamily="34" charset="0"/>
                 <a:cs typeface="Arial" panose="020B0604020202020204" pitchFamily="34" charset="0"/>
               </a:rPr>
@@ -11044,77 +10493,59 @@
           <a:p>
             <a:pPr lvl="1"/>
             <a:r>
-              <a:rPr lang="en-US" altLang="ko-KR" dirty="0" smtClean="0">
-                <a:latin typeface="Arial" panose="020B0604020202020204" pitchFamily="34" charset="0"/>
-                <a:cs typeface="Arial" panose="020B0604020202020204" pitchFamily="34" charset="0"/>
-              </a:rPr>
-              <a:t>Input : Gene list </a:t>
-            </a:r>
-            <a:r>
-              <a:rPr lang="en-US" altLang="ko-KR" dirty="0" smtClean="0">
-                <a:latin typeface="Arial" panose="020B0604020202020204" pitchFamily="34" charset="0"/>
-                <a:cs typeface="Arial" panose="020B0604020202020204" pitchFamily="34" charset="0"/>
-              </a:rPr>
-              <a:t>(ex. DEG(</a:t>
-            </a:r>
-            <a:r>
-              <a:rPr lang="en-US" altLang="ko-KR" dirty="0" err="1" smtClean="0">
+              <a:rPr lang="en-US" altLang="ko-KR" dirty="0">
+                <a:latin typeface="Arial" panose="020B0604020202020204" pitchFamily="34" charset="0"/>
+                <a:cs typeface="Arial" panose="020B0604020202020204" pitchFamily="34" charset="0"/>
+              </a:rPr>
+              <a:t>Input : Gene list (ex. DEG(</a:t>
+            </a:r>
+            <a:r>
+              <a:rPr lang="en-US" altLang="ko-KR" dirty="0" err="1">
                 <a:latin typeface="Arial" panose="020B0604020202020204" pitchFamily="34" charset="0"/>
                 <a:cs typeface="Arial" panose="020B0604020202020204" pitchFamily="34" charset="0"/>
               </a:rPr>
               <a:t>padj</a:t>
             </a:r>
             <a:r>
-              <a:rPr lang="en-US" altLang="ko-KR" dirty="0" smtClean="0">
-                <a:latin typeface="Arial" panose="020B0604020202020204" pitchFamily="34" charset="0"/>
-                <a:cs typeface="Arial" panose="020B0604020202020204" pitchFamily="34" charset="0"/>
-              </a:rPr>
-              <a:t> &lt; 0.05)</a:t>
-            </a:r>
-            <a:r>
-              <a:rPr lang="en-US" altLang="ko-KR" dirty="0" smtClean="0">
-                <a:latin typeface="Arial" panose="020B0604020202020204" pitchFamily="34" charset="0"/>
-                <a:cs typeface="Arial" panose="020B0604020202020204" pitchFamily="34" charset="0"/>
-              </a:rPr>
-              <a:t>)</a:t>
-            </a:r>
-            <a:endParaRPr lang="en-US" altLang="ko-KR" dirty="0" smtClean="0">
+              <a:rPr lang="en-US" altLang="ko-KR" dirty="0">
+                <a:latin typeface="Arial" panose="020B0604020202020204" pitchFamily="34" charset="0"/>
+                <a:cs typeface="Arial" panose="020B0604020202020204" pitchFamily="34" charset="0"/>
+              </a:rPr>
+              <a:t> &lt; 0.05))</a:t>
+            </a:r>
+          </a:p>
+          <a:p>
+            <a:pPr lvl="1"/>
+            <a:endParaRPr lang="en-US" altLang="ko-KR" dirty="0">
               <a:latin typeface="Arial" panose="020B0604020202020204" pitchFamily="34" charset="0"/>
               <a:cs typeface="Arial" panose="020B0604020202020204" pitchFamily="34" charset="0"/>
             </a:endParaRPr>
           </a:p>
           <a:p>
             <a:pPr lvl="1"/>
-            <a:endParaRPr lang="en-US" altLang="ko-KR" dirty="0" smtClean="0">
-              <a:latin typeface="Arial" panose="020B0604020202020204" pitchFamily="34" charset="0"/>
-              <a:cs typeface="Arial" panose="020B0604020202020204" pitchFamily="34" charset="0"/>
-            </a:endParaRPr>
-          </a:p>
-          <a:p>
-            <a:pPr lvl="1"/>
-            <a:r>
-              <a:rPr lang="en-US" altLang="ko-KR" dirty="0" smtClean="0">
+            <a:r>
+              <a:rPr lang="en-US" altLang="ko-KR" dirty="0">
                 <a:latin typeface="Arial" panose="020B0604020202020204" pitchFamily="34" charset="0"/>
                 <a:cs typeface="Arial" panose="020B0604020202020204" pitchFamily="34" charset="0"/>
               </a:rPr>
               <a:t>Output : Gene list</a:t>
             </a:r>
             <a:r>
-              <a:rPr lang="ko-KR" altLang="en-US" dirty="0" smtClean="0">
+              <a:rPr lang="ko-KR" altLang="en-US" dirty="0">
                 <a:latin typeface="Arial" panose="020B0604020202020204" pitchFamily="34" charset="0"/>
                 <a:cs typeface="Arial" panose="020B0604020202020204" pitchFamily="34" charset="0"/>
               </a:rPr>
               <a:t>와 연관된 </a:t>
             </a:r>
             <a:r>
-              <a:rPr lang="en-US" altLang="ko-KR" dirty="0" smtClean="0">
+              <a:rPr lang="en-US" altLang="ko-KR" dirty="0">
                 <a:latin typeface="Arial" panose="020B0604020202020204" pitchFamily="34" charset="0"/>
                 <a:cs typeface="Arial" panose="020B0604020202020204" pitchFamily="34" charset="0"/>
               </a:rPr>
               <a:t>GO (with p-value) </a:t>
             </a:r>
             <a:r>
-              <a:rPr lang="ko-KR" altLang="en-US" dirty="0" smtClean="0">
+              <a:rPr lang="ko-KR" altLang="en-US" dirty="0">
                 <a:latin typeface="Arial" panose="020B0604020202020204" pitchFamily="34" charset="0"/>
                 <a:cs typeface="Arial" panose="020B0604020202020204" pitchFamily="34" charset="0"/>
               </a:rPr>
@@ -11137,13 +10568,6 @@
   <p:clrMapOvr>
     <a:masterClrMapping/>
   </p:clrMapOvr>
-  <p:timing>
-    <p:tnLst>
-      <p:par>
-        <p:cTn id="1" dur="indefinite" restart="never" nodeType="tmRoot"/>
-      </p:par>
-    </p:tnLst>
-  </p:timing>
 </p:sld>
 </file>
 
@@ -11186,37 +10610,16 @@
                 <a:latin typeface="Arial" panose="020B0604020202020204" pitchFamily="34" charset="0"/>
                 <a:cs typeface="Arial" panose="020B0604020202020204" pitchFamily="34" charset="0"/>
               </a:rPr>
-              <a:t>4</a:t>
-            </a:r>
-            <a:r>
-              <a:rPr lang="en-US" altLang="ko-KR" b="1" dirty="0" smtClean="0">
-                <a:latin typeface="Arial" panose="020B0604020202020204" pitchFamily="34" charset="0"/>
-                <a:cs typeface="Arial" panose="020B0604020202020204" pitchFamily="34" charset="0"/>
-              </a:rPr>
-              <a:t>. </a:t>
-            </a:r>
-            <a:r>
+              <a:t>4. Gene ontology analysis</a:t>
+            </a:r>
+            <a:br>
               <a:rPr lang="en-US" altLang="ko-KR" b="1" dirty="0">
                 <a:latin typeface="Arial" panose="020B0604020202020204" pitchFamily="34" charset="0"/>
                 <a:cs typeface="Arial" panose="020B0604020202020204" pitchFamily="34" charset="0"/>
               </a:rPr>
-              <a:t>Gene ontology </a:t>
-            </a:r>
-            <a:r>
-              <a:rPr lang="en-US" altLang="ko-KR" b="1" dirty="0" smtClean="0">
-                <a:latin typeface="Arial" panose="020B0604020202020204" pitchFamily="34" charset="0"/>
-                <a:cs typeface="Arial" panose="020B0604020202020204" pitchFamily="34" charset="0"/>
-              </a:rPr>
-              <a:t>analysis</a:t>
-            </a:r>
-            <a:br>
-              <a:rPr lang="en-US" altLang="ko-KR" b="1" dirty="0" smtClean="0">
-                <a:latin typeface="Arial" panose="020B0604020202020204" pitchFamily="34" charset="0"/>
-                <a:cs typeface="Arial" panose="020B0604020202020204" pitchFamily="34" charset="0"/>
-              </a:rPr>
             </a:br>
             <a:r>
-              <a:rPr lang="en-US" altLang="ko-KR" sz="2800" b="1" dirty="0" smtClean="0">
+              <a:rPr lang="en-US" altLang="ko-KR" sz="2800" b="1" dirty="0">
                 <a:latin typeface="Arial" panose="020B0604020202020204" pitchFamily="34" charset="0"/>
                 <a:cs typeface="Arial" panose="020B0604020202020204" pitchFamily="34" charset="0"/>
               </a:rPr>
@@ -11258,21 +10661,21 @@
                 <a:gridCol w="2680730">
                   <a:extLst>
                     <a:ext uri="{9D8B030D-6E8A-4147-A177-3AD203B41FA5}">
-                      <a16:colId xmlns:a16="http://schemas.microsoft.com/office/drawing/2014/main" xmlns="" val="20000"/>
+                      <a16:colId xmlns:a16="http://schemas.microsoft.com/office/drawing/2014/main" val="20000"/>
                     </a:ext>
                   </a:extLst>
                 </a:gridCol>
                 <a:gridCol w="2680730">
                   <a:extLst>
                     <a:ext uri="{9D8B030D-6E8A-4147-A177-3AD203B41FA5}">
-                      <a16:colId xmlns:a16="http://schemas.microsoft.com/office/drawing/2014/main" xmlns="" val="20001"/>
+                      <a16:colId xmlns:a16="http://schemas.microsoft.com/office/drawing/2014/main" val="20001"/>
                     </a:ext>
                   </a:extLst>
                 </a:gridCol>
                 <a:gridCol w="2680730">
                   <a:extLst>
                     <a:ext uri="{9D8B030D-6E8A-4147-A177-3AD203B41FA5}">
-                      <a16:colId xmlns:a16="http://schemas.microsoft.com/office/drawing/2014/main" xmlns="" val="20002"/>
+                      <a16:colId xmlns:a16="http://schemas.microsoft.com/office/drawing/2014/main" val="20002"/>
                     </a:ext>
                   </a:extLst>
                 </a:gridCol>
@@ -11337,7 +10740,7 @@
                 </a:tc>
                 <a:extLst>
                   <a:ext uri="{0D108BD9-81ED-4DB2-BD59-A6C34878D82A}">
-                    <a16:rowId xmlns:a16="http://schemas.microsoft.com/office/drawing/2014/main" xmlns="" val="10000"/>
+                    <a16:rowId xmlns:a16="http://schemas.microsoft.com/office/drawing/2014/main" val="10000"/>
                   </a:ext>
                 </a:extLst>
               </a:tr>
@@ -11401,7 +10804,7 @@
                 </a:tc>
                 <a:extLst>
                   <a:ext uri="{0D108BD9-81ED-4DB2-BD59-A6C34878D82A}">
-                    <a16:rowId xmlns:a16="http://schemas.microsoft.com/office/drawing/2014/main" xmlns="" val="10001"/>
+                    <a16:rowId xmlns:a16="http://schemas.microsoft.com/office/drawing/2014/main" val="10001"/>
                   </a:ext>
                 </a:extLst>
               </a:tr>
@@ -11453,7 +10856,7 @@
                 </a:tc>
                 <a:extLst>
                   <a:ext uri="{0D108BD9-81ED-4DB2-BD59-A6C34878D82A}">
-                    <a16:rowId xmlns:a16="http://schemas.microsoft.com/office/drawing/2014/main" xmlns="" val="10002"/>
+                    <a16:rowId xmlns:a16="http://schemas.microsoft.com/office/drawing/2014/main" val="10002"/>
                   </a:ext>
                 </a:extLst>
               </a:tr>
@@ -11485,27 +10888,27 @@
           <a:p>
             <a:pPr algn="ctr"/>
             <a:r>
-              <a:rPr lang="ko-KR" altLang="en-US" dirty="0" smtClean="0">
+              <a:rPr lang="ko-KR" altLang="en-US" dirty="0">
                 <a:latin typeface="Arial" panose="020B0604020202020204" pitchFamily="34" charset="0"/>
                 <a:cs typeface="Arial" panose="020B0604020202020204" pitchFamily="34" charset="0"/>
               </a:rPr>
               <a:t>특정 </a:t>
             </a:r>
             <a:r>
-              <a:rPr lang="en-US" altLang="ko-KR" dirty="0" smtClean="0">
+              <a:rPr lang="en-US" altLang="ko-KR" dirty="0">
                 <a:latin typeface="Arial" panose="020B0604020202020204" pitchFamily="34" charset="0"/>
                 <a:cs typeface="Arial" panose="020B0604020202020204" pitchFamily="34" charset="0"/>
               </a:rPr>
               <a:t>GO Term</a:t>
             </a:r>
             <a:r>
-              <a:rPr lang="ko-KR" altLang="en-US" dirty="0" smtClean="0">
+              <a:rPr lang="ko-KR" altLang="en-US" dirty="0">
                 <a:latin typeface="Arial" panose="020B0604020202020204" pitchFamily="34" charset="0"/>
                 <a:cs typeface="Arial" panose="020B0604020202020204" pitchFamily="34" charset="0"/>
               </a:rPr>
               <a:t>에 속하는 </a:t>
             </a:r>
-            <a:endParaRPr lang="en-US" altLang="ko-KR" dirty="0" smtClean="0">
+            <a:endParaRPr lang="en-US" altLang="ko-KR" dirty="0">
               <a:latin typeface="Arial" panose="020B0604020202020204" pitchFamily="34" charset="0"/>
               <a:cs typeface="Arial" panose="020B0604020202020204" pitchFamily="34" charset="0"/>
             </a:endParaRPr>
@@ -11513,16 +10916,12 @@
           <a:p>
             <a:pPr algn="ctr"/>
             <a:r>
-              <a:rPr lang="ko-KR" altLang="en-US" dirty="0" smtClean="0">
+              <a:rPr lang="ko-KR" altLang="en-US" dirty="0">
                 <a:latin typeface="Arial" panose="020B0604020202020204" pitchFamily="34" charset="0"/>
                 <a:cs typeface="Arial" panose="020B0604020202020204" pitchFamily="34" charset="0"/>
               </a:rPr>
               <a:t>유전자</a:t>
             </a:r>
-            <a:endParaRPr lang="ko-KR" altLang="en-US" dirty="0">
-              <a:latin typeface="Arial" panose="020B0604020202020204" pitchFamily="34" charset="0"/>
-              <a:cs typeface="Arial" panose="020B0604020202020204" pitchFamily="34" charset="0"/>
-            </a:endParaRPr>
           </a:p>
         </p:txBody>
       </p:sp>
@@ -11550,18 +10949,11 @@
           <a:p>
             <a:pPr algn="ctr"/>
             <a:r>
-              <a:rPr lang="ko-KR" altLang="en-US" dirty="0" smtClean="0">
+              <a:rPr lang="ko-KR" altLang="en-US" dirty="0">
                 <a:latin typeface="Arial" panose="020B0604020202020204" pitchFamily="34" charset="0"/>
                 <a:cs typeface="Arial" panose="020B0604020202020204" pitchFamily="34" charset="0"/>
               </a:rPr>
               <a:t>선택된 유전자</a:t>
-            </a:r>
-            <a:r>
-              <a:rPr lang="en-US" altLang="ko-KR" dirty="0">
-                <a:latin typeface="Arial" panose="020B0604020202020204" pitchFamily="34" charset="0"/>
-                <a:cs typeface="Arial" panose="020B0604020202020204" pitchFamily="34" charset="0"/>
-              </a:rPr>
-              <a:t/>
             </a:r>
             <a:br>
               <a:rPr lang="en-US" altLang="ko-KR" dirty="0">
@@ -11570,21 +10962,21 @@
               </a:rPr>
             </a:br>
             <a:r>
-              <a:rPr lang="en-US" altLang="ko-KR" dirty="0" smtClean="0">
+              <a:rPr lang="en-US" altLang="ko-KR" dirty="0">
                 <a:latin typeface="Arial" panose="020B0604020202020204" pitchFamily="34" charset="0"/>
                 <a:cs typeface="Arial" panose="020B0604020202020204" pitchFamily="34" charset="0"/>
               </a:rPr>
               <a:t>(</a:t>
             </a:r>
             <a:r>
-              <a:rPr lang="en-US" altLang="ko-KR" dirty="0" err="1" smtClean="0">
+              <a:rPr lang="en-US" altLang="ko-KR" dirty="0" err="1">
                 <a:latin typeface="Arial" panose="020B0604020202020204" pitchFamily="34" charset="0"/>
                 <a:cs typeface="Arial" panose="020B0604020202020204" pitchFamily="34" charset="0"/>
               </a:rPr>
               <a:t>deg</a:t>
             </a:r>
             <a:r>
-              <a:rPr lang="en-US" altLang="ko-KR" dirty="0" smtClean="0">
+              <a:rPr lang="en-US" altLang="ko-KR" dirty="0">
                 <a:latin typeface="Arial" panose="020B0604020202020204" pitchFamily="34" charset="0"/>
                 <a:cs typeface="Arial" panose="020B0604020202020204" pitchFamily="34" charset="0"/>
               </a:rPr>
@@ -11617,13 +11009,13 @@
           <a:p>
             <a:pPr algn="ctr"/>
             <a:r>
-              <a:rPr lang="ko-KR" altLang="en-US" dirty="0" smtClean="0">
+              <a:rPr lang="ko-KR" altLang="en-US" dirty="0">
                 <a:latin typeface="Arial" panose="020B0604020202020204" pitchFamily="34" charset="0"/>
                 <a:cs typeface="Arial" panose="020B0604020202020204" pitchFamily="34" charset="0"/>
               </a:rPr>
               <a:t>선택되지 않은 유전자</a:t>
             </a:r>
-            <a:endParaRPr lang="en-US" altLang="ko-KR" dirty="0" smtClean="0">
+            <a:endParaRPr lang="en-US" altLang="ko-KR" dirty="0">
               <a:latin typeface="Arial" panose="020B0604020202020204" pitchFamily="34" charset="0"/>
               <a:cs typeface="Arial" panose="020B0604020202020204" pitchFamily="34" charset="0"/>
             </a:endParaRPr>
@@ -11631,35 +11023,35 @@
           <a:p>
             <a:pPr algn="ctr"/>
             <a:r>
-              <a:rPr lang="en-US" altLang="ko-KR" dirty="0" smtClean="0">
+              <a:rPr lang="en-US" altLang="ko-KR" dirty="0">
                 <a:latin typeface="Arial" panose="020B0604020202020204" pitchFamily="34" charset="0"/>
                 <a:cs typeface="Arial" panose="020B0604020202020204" pitchFamily="34" charset="0"/>
               </a:rPr>
               <a:t>(</a:t>
             </a:r>
             <a:r>
-              <a:rPr lang="ko-KR" altLang="en-US" dirty="0" smtClean="0">
+              <a:rPr lang="ko-KR" altLang="en-US" dirty="0">
                 <a:latin typeface="Arial" panose="020B0604020202020204" pitchFamily="34" charset="0"/>
                 <a:cs typeface="Arial" panose="020B0604020202020204" pitchFamily="34" charset="0"/>
               </a:rPr>
               <a:t>총 유전자수 </a:t>
             </a:r>
             <a:r>
-              <a:rPr lang="en-US" altLang="ko-KR" dirty="0" smtClean="0">
+              <a:rPr lang="en-US" altLang="ko-KR" dirty="0">
                 <a:latin typeface="Arial" panose="020B0604020202020204" pitchFamily="34" charset="0"/>
                 <a:cs typeface="Arial" panose="020B0604020202020204" pitchFamily="34" charset="0"/>
               </a:rPr>
               <a:t>– </a:t>
             </a:r>
             <a:r>
-              <a:rPr lang="ko-KR" altLang="en-US" dirty="0" smtClean="0">
+              <a:rPr lang="ko-KR" altLang="en-US" dirty="0">
                 <a:latin typeface="Arial" panose="020B0604020202020204" pitchFamily="34" charset="0"/>
                 <a:cs typeface="Arial" panose="020B0604020202020204" pitchFamily="34" charset="0"/>
               </a:rPr>
               <a:t>선택된 유전자</a:t>
             </a:r>
             <a:r>
-              <a:rPr lang="en-US" altLang="ko-KR" dirty="0" smtClean="0">
+              <a:rPr lang="en-US" altLang="ko-KR" dirty="0">
                 <a:latin typeface="Arial" panose="020B0604020202020204" pitchFamily="34" charset="0"/>
                 <a:cs typeface="Arial" panose="020B0604020202020204" pitchFamily="34" charset="0"/>
               </a:rPr>
@@ -11859,42 +11251,28 @@
           </a:lstStyle>
           <a:p>
             <a:r>
-              <a:rPr lang="ko-KR" altLang="en-US" sz="2000" dirty="0" smtClean="0">
-                <a:latin typeface="Arial" panose="020B0604020202020204" pitchFamily="34" charset="0"/>
-                <a:cs typeface="Arial" panose="020B0604020202020204" pitchFamily="34" charset="0"/>
-              </a:rPr>
-              <a:t>유의미하다고 </a:t>
-            </a:r>
-            <a:r>
               <a:rPr lang="ko-KR" altLang="en-US" sz="2000" dirty="0">
                 <a:latin typeface="Arial" panose="020B0604020202020204" pitchFamily="34" charset="0"/>
                 <a:cs typeface="Arial" panose="020B0604020202020204" pitchFamily="34" charset="0"/>
               </a:rPr>
-              <a:t>판단된 </a:t>
-            </a:r>
-            <a:r>
-              <a:rPr lang="en-US" altLang="ko-KR" sz="2000" dirty="0" smtClean="0">
+              <a:t>유의미하다고 판단된 </a:t>
+            </a:r>
+            <a:r>
+              <a:rPr lang="en-US" altLang="ko-KR" sz="2000" dirty="0">
                 <a:latin typeface="Arial" panose="020B0604020202020204" pitchFamily="34" charset="0"/>
                 <a:cs typeface="Arial" panose="020B0604020202020204" pitchFamily="34" charset="0"/>
               </a:rPr>
               <a:t>gene list</a:t>
             </a:r>
             <a:r>
-              <a:rPr lang="ko-KR" altLang="en-US" sz="2000" dirty="0" smtClean="0">
-                <a:latin typeface="Arial" panose="020B0604020202020204" pitchFamily="34" charset="0"/>
-                <a:cs typeface="Arial" panose="020B0604020202020204" pitchFamily="34" charset="0"/>
-              </a:rPr>
-              <a:t>를 </a:t>
-            </a:r>
-            <a:r>
               <a:rPr lang="ko-KR" altLang="en-US" sz="2000" dirty="0">
                 <a:latin typeface="Arial" panose="020B0604020202020204" pitchFamily="34" charset="0"/>
                 <a:cs typeface="Arial" panose="020B0604020202020204" pitchFamily="34" charset="0"/>
               </a:rPr>
-              <a:t>통해서 </a:t>
-            </a:r>
-            <a:r>
-              <a:rPr lang="en-US" altLang="ko-KR" sz="2000" dirty="0" smtClean="0">
+              <a:t>를 통해서 </a:t>
+            </a:r>
+            <a:r>
+              <a:rPr lang="en-US" altLang="ko-KR" sz="2000" dirty="0">
                 <a:solidFill>
                   <a:srgbClr val="FF0000"/>
                 </a:solidFill>
@@ -11904,30 +11282,19 @@
               <a:t>p-value</a:t>
             </a:r>
             <a:r>
-              <a:rPr lang="ko-KR" altLang="en-US" sz="2000" dirty="0" smtClean="0">
-                <a:latin typeface="Arial" panose="020B0604020202020204" pitchFamily="34" charset="0"/>
-                <a:cs typeface="Arial" panose="020B0604020202020204" pitchFamily="34" charset="0"/>
-              </a:rPr>
-              <a:t>값을 </a:t>
-            </a:r>
-            <a:r>
               <a:rPr lang="ko-KR" altLang="en-US" sz="2000" dirty="0">
                 <a:latin typeface="Arial" panose="020B0604020202020204" pitchFamily="34" charset="0"/>
                 <a:cs typeface="Arial" panose="020B0604020202020204" pitchFamily="34" charset="0"/>
               </a:rPr>
-              <a:t>계산합니다</a:t>
-            </a:r>
-            <a:r>
-              <a:rPr lang="en-US" altLang="ko-KR" sz="2000" dirty="0" smtClean="0">
+              <a:t>값을 계산합니다</a:t>
+            </a:r>
+            <a:r>
+              <a:rPr lang="en-US" altLang="ko-KR" sz="2000" dirty="0">
                 <a:latin typeface="Arial" panose="020B0604020202020204" pitchFamily="34" charset="0"/>
                 <a:cs typeface="Arial" panose="020B0604020202020204" pitchFamily="34" charset="0"/>
               </a:rPr>
               <a:t>.</a:t>
             </a:r>
-            <a:endParaRPr lang="en-US" altLang="ko-KR" sz="2000" dirty="0">
-              <a:latin typeface="Arial" panose="020B0604020202020204" pitchFamily="34" charset="0"/>
-              <a:cs typeface="Arial" panose="020B0604020202020204" pitchFamily="34" charset="0"/>
-            </a:endParaRPr>
           </a:p>
           <a:p>
             <a:r>
@@ -12010,27 +11377,27 @@
           <a:p>
             <a:pPr algn="ctr"/>
             <a:r>
-              <a:rPr lang="ko-KR" altLang="en-US" dirty="0" smtClean="0">
+              <a:rPr lang="ko-KR" altLang="en-US" dirty="0">
                 <a:latin typeface="Arial" panose="020B0604020202020204" pitchFamily="34" charset="0"/>
                 <a:cs typeface="Arial" panose="020B0604020202020204" pitchFamily="34" charset="0"/>
               </a:rPr>
               <a:t>특정 </a:t>
             </a:r>
             <a:r>
-              <a:rPr lang="en-US" altLang="ko-KR" dirty="0" smtClean="0">
+              <a:rPr lang="en-US" altLang="ko-KR" dirty="0">
                 <a:latin typeface="Arial" panose="020B0604020202020204" pitchFamily="34" charset="0"/>
                 <a:cs typeface="Arial" panose="020B0604020202020204" pitchFamily="34" charset="0"/>
               </a:rPr>
               <a:t>GO Term</a:t>
             </a:r>
             <a:r>
-              <a:rPr lang="ko-KR" altLang="en-US" dirty="0" smtClean="0">
+              <a:rPr lang="ko-KR" altLang="en-US" dirty="0">
                 <a:latin typeface="Arial" panose="020B0604020202020204" pitchFamily="34" charset="0"/>
                 <a:cs typeface="Arial" panose="020B0604020202020204" pitchFamily="34" charset="0"/>
               </a:rPr>
               <a:t>에 속하지 않는 </a:t>
             </a:r>
-            <a:endParaRPr lang="en-US" altLang="ko-KR" dirty="0" smtClean="0">
+            <a:endParaRPr lang="en-US" altLang="ko-KR" dirty="0">
               <a:latin typeface="Arial" panose="020B0604020202020204" pitchFamily="34" charset="0"/>
               <a:cs typeface="Arial" panose="020B0604020202020204" pitchFamily="34" charset="0"/>
             </a:endParaRPr>
@@ -12038,16 +11405,12 @@
           <a:p>
             <a:pPr algn="ctr"/>
             <a:r>
-              <a:rPr lang="ko-KR" altLang="en-US" dirty="0" smtClean="0">
+              <a:rPr lang="ko-KR" altLang="en-US" dirty="0">
                 <a:latin typeface="Arial" panose="020B0604020202020204" pitchFamily="34" charset="0"/>
                 <a:cs typeface="Arial" panose="020B0604020202020204" pitchFamily="34" charset="0"/>
               </a:rPr>
               <a:t>유전자</a:t>
             </a:r>
-            <a:endParaRPr lang="ko-KR" altLang="en-US" dirty="0">
-              <a:latin typeface="Arial" panose="020B0604020202020204" pitchFamily="34" charset="0"/>
-              <a:cs typeface="Arial" panose="020B0604020202020204" pitchFamily="34" charset="0"/>
-            </a:endParaRPr>
           </a:p>
         </p:txBody>
       </p:sp>
@@ -12061,13 +11424,6 @@
   <p:clrMapOvr>
     <a:masterClrMapping/>
   </p:clrMapOvr>
-  <p:timing>
-    <p:tnLst>
-      <p:par>
-        <p:cTn id="1" dur="indefinite" restart="never" nodeType="tmRoot"/>
-      </p:par>
-    </p:tnLst>
-  </p:timing>
 </p:sld>
 </file>
 
@@ -12115,21 +11471,7 @@
                 <a:latin typeface="Arial" panose="020B0604020202020204" pitchFamily="34" charset="0"/>
                 <a:cs typeface="Arial" panose="020B0604020202020204" pitchFamily="34" charset="0"/>
               </a:rPr>
-              <a:t>4</a:t>
-            </a:r>
-            <a:r>
-              <a:rPr lang="en-US" altLang="ko-KR" b="1" dirty="0" smtClean="0">
-                <a:latin typeface="Arial" panose="020B0604020202020204" pitchFamily="34" charset="0"/>
-                <a:cs typeface="Arial" panose="020B0604020202020204" pitchFamily="34" charset="0"/>
-              </a:rPr>
-              <a:t>. </a:t>
-            </a:r>
-            <a:r>
-              <a:rPr lang="en-US" altLang="ko-KR" b="1" dirty="0">
-                <a:latin typeface="Arial" panose="020B0604020202020204" pitchFamily="34" charset="0"/>
-                <a:cs typeface="Arial" panose="020B0604020202020204" pitchFamily="34" charset="0"/>
-              </a:rPr>
-              <a:t>Gene ontology analysis</a:t>
+              <a:t>4. Gene ontology analysis</a:t>
             </a:r>
             <a:br>
               <a:rPr lang="en-US" altLang="ko-KR" b="1" dirty="0">
@@ -12179,21 +11521,21 @@
                 <a:gridCol w="2680730">
                   <a:extLst>
                     <a:ext uri="{9D8B030D-6E8A-4147-A177-3AD203B41FA5}">
-                      <a16:colId xmlns:a16="http://schemas.microsoft.com/office/drawing/2014/main" xmlns="" val="20000"/>
+                      <a16:colId xmlns:a16="http://schemas.microsoft.com/office/drawing/2014/main" val="20000"/>
                     </a:ext>
                   </a:extLst>
                 </a:gridCol>
                 <a:gridCol w="2680730">
                   <a:extLst>
                     <a:ext uri="{9D8B030D-6E8A-4147-A177-3AD203B41FA5}">
-                      <a16:colId xmlns:a16="http://schemas.microsoft.com/office/drawing/2014/main" xmlns="" val="20001"/>
+                      <a16:colId xmlns:a16="http://schemas.microsoft.com/office/drawing/2014/main" val="20001"/>
                     </a:ext>
                   </a:extLst>
                 </a:gridCol>
                 <a:gridCol w="2680730">
                   <a:extLst>
                     <a:ext uri="{9D8B030D-6E8A-4147-A177-3AD203B41FA5}">
-                      <a16:colId xmlns:a16="http://schemas.microsoft.com/office/drawing/2014/main" xmlns="" val="20002"/>
+                      <a16:colId xmlns:a16="http://schemas.microsoft.com/office/drawing/2014/main" val="20002"/>
                     </a:ext>
                   </a:extLst>
                 </a:gridCol>
@@ -12256,7 +11598,7 @@
                 </a:tc>
                 <a:extLst>
                   <a:ext uri="{0D108BD9-81ED-4DB2-BD59-A6C34878D82A}">
-                    <a16:rowId xmlns:a16="http://schemas.microsoft.com/office/drawing/2014/main" xmlns="" val="10000"/>
+                    <a16:rowId xmlns:a16="http://schemas.microsoft.com/office/drawing/2014/main" val="10000"/>
                   </a:ext>
                 </a:extLst>
               </a:tr>
@@ -12320,7 +11662,7 @@
                 </a:tc>
                 <a:extLst>
                   <a:ext uri="{0D108BD9-81ED-4DB2-BD59-A6C34878D82A}">
-                    <a16:rowId xmlns:a16="http://schemas.microsoft.com/office/drawing/2014/main" xmlns="" val="10001"/>
+                    <a16:rowId xmlns:a16="http://schemas.microsoft.com/office/drawing/2014/main" val="10001"/>
                   </a:ext>
                 </a:extLst>
               </a:tr>
@@ -12372,7 +11714,7 @@
                 </a:tc>
                 <a:extLst>
                   <a:ext uri="{0D108BD9-81ED-4DB2-BD59-A6C34878D82A}">
-                    <a16:rowId xmlns:a16="http://schemas.microsoft.com/office/drawing/2014/main" xmlns="" val="10002"/>
+                    <a16:rowId xmlns:a16="http://schemas.microsoft.com/office/drawing/2014/main" val="10002"/>
                   </a:ext>
                 </a:extLst>
               </a:tr>
@@ -12404,18 +11746,11 @@
           <a:p>
             <a:pPr algn="ctr"/>
             <a:r>
-              <a:rPr lang="ko-KR" altLang="en-US" dirty="0" smtClean="0">
+              <a:rPr lang="ko-KR" altLang="en-US" dirty="0">
                 <a:latin typeface="Arial" panose="020B0604020202020204" pitchFamily="34" charset="0"/>
                 <a:cs typeface="Arial" panose="020B0604020202020204" pitchFamily="34" charset="0"/>
               </a:rPr>
               <a:t>선택된 유전자</a:t>
-            </a:r>
-            <a:r>
-              <a:rPr lang="en-US" altLang="ko-KR" dirty="0">
-                <a:latin typeface="Arial" panose="020B0604020202020204" pitchFamily="34" charset="0"/>
-                <a:cs typeface="Arial" panose="020B0604020202020204" pitchFamily="34" charset="0"/>
-              </a:rPr>
-              <a:t/>
             </a:r>
             <a:br>
               <a:rPr lang="en-US" altLang="ko-KR" dirty="0">
@@ -12424,21 +11759,21 @@
               </a:rPr>
             </a:br>
             <a:r>
-              <a:rPr lang="en-US" altLang="ko-KR" dirty="0" smtClean="0">
+              <a:rPr lang="en-US" altLang="ko-KR" dirty="0">
                 <a:latin typeface="Arial" panose="020B0604020202020204" pitchFamily="34" charset="0"/>
                 <a:cs typeface="Arial" panose="020B0604020202020204" pitchFamily="34" charset="0"/>
               </a:rPr>
               <a:t>(</a:t>
             </a:r>
             <a:r>
-              <a:rPr lang="en-US" altLang="ko-KR" dirty="0" err="1" smtClean="0">
+              <a:rPr lang="en-US" altLang="ko-KR" dirty="0" err="1">
                 <a:latin typeface="Arial" panose="020B0604020202020204" pitchFamily="34" charset="0"/>
                 <a:cs typeface="Arial" panose="020B0604020202020204" pitchFamily="34" charset="0"/>
               </a:rPr>
               <a:t>deg</a:t>
             </a:r>
             <a:r>
-              <a:rPr lang="en-US" altLang="ko-KR" dirty="0" smtClean="0">
+              <a:rPr lang="en-US" altLang="ko-KR" dirty="0">
                 <a:latin typeface="Arial" panose="020B0604020202020204" pitchFamily="34" charset="0"/>
                 <a:cs typeface="Arial" panose="020B0604020202020204" pitchFamily="34" charset="0"/>
               </a:rPr>
@@ -12471,13 +11806,13 @@
           <a:p>
             <a:pPr algn="ctr"/>
             <a:r>
-              <a:rPr lang="ko-KR" altLang="en-US" dirty="0" smtClean="0">
+              <a:rPr lang="ko-KR" altLang="en-US" dirty="0">
                 <a:latin typeface="Arial" panose="020B0604020202020204" pitchFamily="34" charset="0"/>
                 <a:cs typeface="Arial" panose="020B0604020202020204" pitchFamily="34" charset="0"/>
               </a:rPr>
               <a:t>선택되지 않은 유전자</a:t>
             </a:r>
-            <a:endParaRPr lang="en-US" altLang="ko-KR" dirty="0" smtClean="0">
+            <a:endParaRPr lang="en-US" altLang="ko-KR" dirty="0">
               <a:latin typeface="Arial" panose="020B0604020202020204" pitchFamily="34" charset="0"/>
               <a:cs typeface="Arial" panose="020B0604020202020204" pitchFamily="34" charset="0"/>
             </a:endParaRPr>
@@ -12485,35 +11820,35 @@
           <a:p>
             <a:pPr algn="ctr"/>
             <a:r>
-              <a:rPr lang="en-US" altLang="ko-KR" dirty="0" smtClean="0">
+              <a:rPr lang="en-US" altLang="ko-KR" dirty="0">
                 <a:latin typeface="Arial" panose="020B0604020202020204" pitchFamily="34" charset="0"/>
                 <a:cs typeface="Arial" panose="020B0604020202020204" pitchFamily="34" charset="0"/>
               </a:rPr>
               <a:t>(</a:t>
             </a:r>
             <a:r>
-              <a:rPr lang="ko-KR" altLang="en-US" dirty="0" smtClean="0">
+              <a:rPr lang="ko-KR" altLang="en-US" dirty="0">
                 <a:latin typeface="Arial" panose="020B0604020202020204" pitchFamily="34" charset="0"/>
                 <a:cs typeface="Arial" panose="020B0604020202020204" pitchFamily="34" charset="0"/>
               </a:rPr>
               <a:t>총 유전자수 </a:t>
             </a:r>
             <a:r>
-              <a:rPr lang="en-US" altLang="ko-KR" dirty="0" smtClean="0">
+              <a:rPr lang="en-US" altLang="ko-KR" dirty="0">
                 <a:latin typeface="Arial" panose="020B0604020202020204" pitchFamily="34" charset="0"/>
                 <a:cs typeface="Arial" panose="020B0604020202020204" pitchFamily="34" charset="0"/>
               </a:rPr>
               <a:t>– </a:t>
             </a:r>
             <a:r>
-              <a:rPr lang="ko-KR" altLang="en-US" dirty="0" smtClean="0">
+              <a:rPr lang="ko-KR" altLang="en-US" dirty="0">
                 <a:latin typeface="Arial" panose="020B0604020202020204" pitchFamily="34" charset="0"/>
                 <a:cs typeface="Arial" panose="020B0604020202020204" pitchFamily="34" charset="0"/>
               </a:rPr>
               <a:t>선택된 유전자</a:t>
             </a:r>
             <a:r>
-              <a:rPr lang="en-US" altLang="ko-KR" dirty="0" smtClean="0">
+              <a:rPr lang="en-US" altLang="ko-KR" dirty="0">
                 <a:latin typeface="Arial" panose="020B0604020202020204" pitchFamily="34" charset="0"/>
                 <a:cs typeface="Arial" panose="020B0604020202020204" pitchFamily="34" charset="0"/>
               </a:rPr>
@@ -12550,27 +11885,27 @@
           <a:p>
             <a:pPr algn="ctr"/>
             <a:r>
-              <a:rPr lang="ko-KR" altLang="en-US" dirty="0" smtClean="0">
+              <a:rPr lang="ko-KR" altLang="en-US" dirty="0">
                 <a:latin typeface="Arial" panose="020B0604020202020204" pitchFamily="34" charset="0"/>
                 <a:cs typeface="Arial" panose="020B0604020202020204" pitchFamily="34" charset="0"/>
               </a:rPr>
               <a:t>특정 </a:t>
             </a:r>
             <a:r>
-              <a:rPr lang="en-US" altLang="ko-KR" dirty="0" smtClean="0">
+              <a:rPr lang="en-US" altLang="ko-KR" dirty="0">
                 <a:latin typeface="Arial" panose="020B0604020202020204" pitchFamily="34" charset="0"/>
                 <a:cs typeface="Arial" panose="020B0604020202020204" pitchFamily="34" charset="0"/>
               </a:rPr>
               <a:t>GO Term</a:t>
             </a:r>
             <a:r>
-              <a:rPr lang="ko-KR" altLang="en-US" dirty="0" smtClean="0">
+              <a:rPr lang="ko-KR" altLang="en-US" dirty="0">
                 <a:latin typeface="Arial" panose="020B0604020202020204" pitchFamily="34" charset="0"/>
                 <a:cs typeface="Arial" panose="020B0604020202020204" pitchFamily="34" charset="0"/>
               </a:rPr>
               <a:t>에 속하는 </a:t>
             </a:r>
-            <a:endParaRPr lang="en-US" altLang="ko-KR" dirty="0" smtClean="0">
+            <a:endParaRPr lang="en-US" altLang="ko-KR" dirty="0">
               <a:latin typeface="Arial" panose="020B0604020202020204" pitchFamily="34" charset="0"/>
               <a:cs typeface="Arial" panose="020B0604020202020204" pitchFamily="34" charset="0"/>
             </a:endParaRPr>
@@ -12578,16 +11913,12 @@
           <a:p>
             <a:pPr algn="ctr"/>
             <a:r>
-              <a:rPr lang="ko-KR" altLang="en-US" dirty="0" smtClean="0">
+              <a:rPr lang="ko-KR" altLang="en-US" dirty="0">
                 <a:latin typeface="Arial" panose="020B0604020202020204" pitchFamily="34" charset="0"/>
                 <a:cs typeface="Arial" panose="020B0604020202020204" pitchFamily="34" charset="0"/>
               </a:rPr>
               <a:t>유전자</a:t>
             </a:r>
-            <a:endParaRPr lang="ko-KR" altLang="en-US" dirty="0">
-              <a:latin typeface="Arial" panose="020B0604020202020204" pitchFamily="34" charset="0"/>
-              <a:cs typeface="Arial" panose="020B0604020202020204" pitchFamily="34" charset="0"/>
-            </a:endParaRPr>
           </a:p>
         </p:txBody>
       </p:sp>
@@ -12615,27 +11946,27 @@
           <a:p>
             <a:pPr algn="ctr"/>
             <a:r>
-              <a:rPr lang="ko-KR" altLang="en-US" dirty="0" smtClean="0">
+              <a:rPr lang="ko-KR" altLang="en-US" dirty="0">
                 <a:latin typeface="Arial" panose="020B0604020202020204" pitchFamily="34" charset="0"/>
                 <a:cs typeface="Arial" panose="020B0604020202020204" pitchFamily="34" charset="0"/>
               </a:rPr>
               <a:t>특정 </a:t>
             </a:r>
             <a:r>
-              <a:rPr lang="en-US" altLang="ko-KR" dirty="0" smtClean="0">
+              <a:rPr lang="en-US" altLang="ko-KR" dirty="0">
                 <a:latin typeface="Arial" panose="020B0604020202020204" pitchFamily="34" charset="0"/>
                 <a:cs typeface="Arial" panose="020B0604020202020204" pitchFamily="34" charset="0"/>
               </a:rPr>
               <a:t>GO Term</a:t>
             </a:r>
             <a:r>
-              <a:rPr lang="ko-KR" altLang="en-US" dirty="0" smtClean="0">
+              <a:rPr lang="ko-KR" altLang="en-US" dirty="0">
                 <a:latin typeface="Arial" panose="020B0604020202020204" pitchFamily="34" charset="0"/>
                 <a:cs typeface="Arial" panose="020B0604020202020204" pitchFamily="34" charset="0"/>
               </a:rPr>
               <a:t>에 속하지 않는 </a:t>
             </a:r>
-            <a:endParaRPr lang="en-US" altLang="ko-KR" dirty="0" smtClean="0">
+            <a:endParaRPr lang="en-US" altLang="ko-KR" dirty="0">
               <a:latin typeface="Arial" panose="020B0604020202020204" pitchFamily="34" charset="0"/>
               <a:cs typeface="Arial" panose="020B0604020202020204" pitchFamily="34" charset="0"/>
             </a:endParaRPr>
@@ -12643,16 +11974,12 @@
           <a:p>
             <a:pPr algn="ctr"/>
             <a:r>
-              <a:rPr lang="ko-KR" altLang="en-US" dirty="0" smtClean="0">
+              <a:rPr lang="ko-KR" altLang="en-US" dirty="0">
                 <a:latin typeface="Arial" panose="020B0604020202020204" pitchFamily="34" charset="0"/>
                 <a:cs typeface="Arial" panose="020B0604020202020204" pitchFamily="34" charset="0"/>
               </a:rPr>
               <a:t>유전자</a:t>
             </a:r>
-            <a:endParaRPr lang="ko-KR" altLang="en-US" dirty="0">
-              <a:latin typeface="Arial" panose="020B0604020202020204" pitchFamily="34" charset="0"/>
-              <a:cs typeface="Arial" panose="020B0604020202020204" pitchFamily="34" charset="0"/>
-            </a:endParaRPr>
           </a:p>
         </p:txBody>
       </p:sp>
@@ -12679,10 +12006,9 @@
           <a:lstStyle/>
           <a:p>
             <a:r>
-              <a:rPr lang="ko-KR" altLang="en-US" dirty="0" smtClean="0"/>
+              <a:rPr lang="ko-KR" altLang="en-US" dirty="0"/>
               <a:t>선택된 유전자와 선택이 안된 유전자 </a:t>
             </a:r>
-            <a:endParaRPr lang="ko-KR" altLang="en-US" dirty="0"/>
           </a:p>
         </p:txBody>
       </p:sp>
@@ -12696,13 +12022,6 @@
   <p:clrMapOvr>
     <a:masterClrMapping/>
   </p:clrMapOvr>
-  <p:timing>
-    <p:tnLst>
-      <p:par>
-        <p:cTn id="1" dur="indefinite" restart="never" nodeType="tmRoot"/>
-      </p:par>
-    </p:tnLst>
-  </p:timing>
 </p:sld>
 </file>
 
